--- a/task scheme.pptx
+++ b/task scheme.pptx
@@ -5,7 +5,8 @@
     <p:sldMasterId id="2147483648" r:id="rId1"/>
   </p:sldMasterIdLst>
   <p:sldIdLst>
-    <p:sldId id="257" r:id="rId2"/>
+    <p:sldId id="258" r:id="rId2"/>
+    <p:sldId id="257" r:id="rId3"/>
   </p:sldIdLst>
   <p:sldSz cx="12192000" cy="6858000"/>
   <p:notesSz cx="6858000" cy="9144000"/>
@@ -104,6 +105,11 @@
       </a:defRPr>
     </a:lvl9pPr>
   </p:defaultTextStyle>
+  <p:extLst>
+    <p:ext uri="{EFAFB233-063F-42B5-8137-9DF3F51BA10A}">
+      <p15:sldGuideLst xmlns:p15="http://schemas.microsoft.com/office/powerpoint/2012/main"/>
+    </p:ext>
+  </p:extLst>
 </p:presentation>
 </file>
 
@@ -254,7 +260,7 @@
           <a:p>
             <a:fld id="{CCA6670F-A8A0-407C-A687-5548B9A6F5D7}" type="datetimeFigureOut">
               <a:rPr lang="he-IL" smtClean="0"/>
-              <a:t>כ"א/אב/תשע"ט</a:t>
+              <a:t>י"ב/אלול/תשע"ט</a:t>
             </a:fld>
             <a:endParaRPr lang="he-IL"/>
           </a:p>
@@ -452,7 +458,7 @@
           <a:p>
             <a:fld id="{CCA6670F-A8A0-407C-A687-5548B9A6F5D7}" type="datetimeFigureOut">
               <a:rPr lang="he-IL" smtClean="0"/>
-              <a:t>כ"א/אב/תשע"ט</a:t>
+              <a:t>י"ב/אלול/תשע"ט</a:t>
             </a:fld>
             <a:endParaRPr lang="he-IL"/>
           </a:p>
@@ -660,7 +666,7 @@
           <a:p>
             <a:fld id="{CCA6670F-A8A0-407C-A687-5548B9A6F5D7}" type="datetimeFigureOut">
               <a:rPr lang="he-IL" smtClean="0"/>
-              <a:t>כ"א/אב/תשע"ט</a:t>
+              <a:t>י"ב/אלול/תשע"ט</a:t>
             </a:fld>
             <a:endParaRPr lang="he-IL"/>
           </a:p>
@@ -858,7 +864,7 @@
           <a:p>
             <a:fld id="{CCA6670F-A8A0-407C-A687-5548B9A6F5D7}" type="datetimeFigureOut">
               <a:rPr lang="he-IL" smtClean="0"/>
-              <a:t>כ"א/אב/תשע"ט</a:t>
+              <a:t>י"ב/אלול/תשע"ט</a:t>
             </a:fld>
             <a:endParaRPr lang="he-IL"/>
           </a:p>
@@ -1133,7 +1139,7 @@
           <a:p>
             <a:fld id="{CCA6670F-A8A0-407C-A687-5548B9A6F5D7}" type="datetimeFigureOut">
               <a:rPr lang="he-IL" smtClean="0"/>
-              <a:t>כ"א/אב/תשע"ט</a:t>
+              <a:t>י"ב/אלול/תשע"ט</a:t>
             </a:fld>
             <a:endParaRPr lang="he-IL"/>
           </a:p>
@@ -1398,7 +1404,7 @@
           <a:p>
             <a:fld id="{CCA6670F-A8A0-407C-A687-5548B9A6F5D7}" type="datetimeFigureOut">
               <a:rPr lang="he-IL" smtClean="0"/>
-              <a:t>כ"א/אב/תשע"ט</a:t>
+              <a:t>י"ב/אלול/תשע"ט</a:t>
             </a:fld>
             <a:endParaRPr lang="he-IL"/>
           </a:p>
@@ -1810,7 +1816,7 @@
           <a:p>
             <a:fld id="{CCA6670F-A8A0-407C-A687-5548B9A6F5D7}" type="datetimeFigureOut">
               <a:rPr lang="he-IL" smtClean="0"/>
-              <a:t>כ"א/אב/תשע"ט</a:t>
+              <a:t>י"ב/אלול/תשע"ט</a:t>
             </a:fld>
             <a:endParaRPr lang="he-IL"/>
           </a:p>
@@ -1951,7 +1957,7 @@
           <a:p>
             <a:fld id="{CCA6670F-A8A0-407C-A687-5548B9A6F5D7}" type="datetimeFigureOut">
               <a:rPr lang="he-IL" smtClean="0"/>
-              <a:t>כ"א/אב/תשע"ט</a:t>
+              <a:t>י"ב/אלול/תשע"ט</a:t>
             </a:fld>
             <a:endParaRPr lang="he-IL"/>
           </a:p>
@@ -2064,7 +2070,7 @@
           <a:p>
             <a:fld id="{CCA6670F-A8A0-407C-A687-5548B9A6F5D7}" type="datetimeFigureOut">
               <a:rPr lang="he-IL" smtClean="0"/>
-              <a:t>כ"א/אב/תשע"ט</a:t>
+              <a:t>י"ב/אלול/תשע"ט</a:t>
             </a:fld>
             <a:endParaRPr lang="he-IL"/>
           </a:p>
@@ -2375,7 +2381,7 @@
           <a:p>
             <a:fld id="{CCA6670F-A8A0-407C-A687-5548B9A6F5D7}" type="datetimeFigureOut">
               <a:rPr lang="he-IL" smtClean="0"/>
-              <a:t>כ"א/אב/תשע"ט</a:t>
+              <a:t>י"ב/אלול/תשע"ט</a:t>
             </a:fld>
             <a:endParaRPr lang="he-IL"/>
           </a:p>
@@ -2663,7 +2669,7 @@
           <a:p>
             <a:fld id="{CCA6670F-A8A0-407C-A687-5548B9A6F5D7}" type="datetimeFigureOut">
               <a:rPr lang="he-IL" smtClean="0"/>
-              <a:t>כ"א/אב/תשע"ט</a:t>
+              <a:t>י"ב/אלול/תשע"ט</a:t>
             </a:fld>
             <a:endParaRPr lang="he-IL"/>
           </a:p>
@@ -2904,7 +2910,7 @@
           <a:p>
             <a:fld id="{CCA6670F-A8A0-407C-A687-5548B9A6F5D7}" type="datetimeFigureOut">
               <a:rPr lang="he-IL" smtClean="0"/>
-              <a:t>כ"א/אב/תשע"ט</a:t>
+              <a:t>י"ב/אלול/תשע"ט</a:t>
             </a:fld>
             <a:endParaRPr lang="he-IL"/>
           </a:p>
@@ -3321,6 +3327,74 @@
           <a:chExt cx="0" cy="0"/>
         </a:xfrm>
       </p:grpSpPr>
+      <p:sp>
+        <p:nvSpPr>
+          <p:cNvPr id="2" name="Title 1"/>
+          <p:cNvSpPr>
+            <a:spLocks noGrp="1"/>
+          </p:cNvSpPr>
+          <p:nvPr>
+            <p:ph type="title"/>
+          </p:nvPr>
+        </p:nvSpPr>
+        <p:spPr/>
+        <p:txBody>
+          <a:bodyPr/>
+          <a:lstStyle/>
+          <a:p>
+            <a:endParaRPr lang="he-IL"/>
+          </a:p>
+        </p:txBody>
+      </p:sp>
+      <p:sp>
+        <p:nvSpPr>
+          <p:cNvPr id="3" name="Content Placeholder 2"/>
+          <p:cNvSpPr>
+            <a:spLocks noGrp="1"/>
+          </p:cNvSpPr>
+          <p:nvPr>
+            <p:ph idx="1"/>
+          </p:nvPr>
+        </p:nvSpPr>
+        <p:spPr/>
+        <p:txBody>
+          <a:bodyPr/>
+          <a:lstStyle/>
+          <a:p>
+            <a:endParaRPr lang="he-IL"/>
+          </a:p>
+        </p:txBody>
+      </p:sp>
+    </p:spTree>
+    <p:extLst>
+      <p:ext uri="{BB962C8B-B14F-4D97-AF65-F5344CB8AC3E}">
+        <p14:creationId xmlns:p14="http://schemas.microsoft.com/office/powerpoint/2010/main" val="2373770138"/>
+      </p:ext>
+    </p:extLst>
+  </p:cSld>
+  <p:clrMapOvr>
+    <a:masterClrMapping/>
+  </p:clrMapOvr>
+</p:sld>
+</file>
+
+<file path=ppt/slides/slide2.xml><?xml version="1.0" encoding="utf-8"?>
+<p:sld xmlns:a="http://schemas.openxmlformats.org/drawingml/2006/main" xmlns:r="http://schemas.openxmlformats.org/officeDocument/2006/relationships" xmlns:p="http://schemas.openxmlformats.org/presentationml/2006/main">
+  <p:cSld>
+    <p:spTree>
+      <p:nvGrpSpPr>
+        <p:cNvPr id="1" name=""/>
+        <p:cNvGrpSpPr/>
+        <p:nvPr/>
+      </p:nvGrpSpPr>
+      <p:grpSpPr>
+        <a:xfrm>
+          <a:off x="0" y="0"/>
+          <a:ext cx="0" cy="0"/>
+          <a:chOff x="0" y="0"/>
+          <a:chExt cx="0" cy="0"/>
+        </a:xfrm>
+      </p:grpSpPr>
       <p:grpSp>
         <p:nvGrpSpPr>
           <p:cNvPr id="19" name="קבוצה 18">

--- a/task scheme.pptx
+++ b/task scheme.pptx
@@ -7,6 +7,7 @@
   <p:sldIdLst>
     <p:sldId id="258" r:id="rId2"/>
     <p:sldId id="257" r:id="rId3"/>
+    <p:sldId id="260" r:id="rId4"/>
   </p:sldIdLst>
   <p:sldSz cx="12192000" cy="6858000"/>
   <p:notesSz cx="6858000" cy="9144000"/>
@@ -5173,6 +5174,2749 @@
 </p:sld>
 </file>
 
+<file path=ppt/slides/slide3.xml><?xml version="1.0" encoding="utf-8"?>
+<p:sld xmlns:a="http://schemas.openxmlformats.org/drawingml/2006/main" xmlns:r="http://schemas.openxmlformats.org/officeDocument/2006/relationships" xmlns:p="http://schemas.openxmlformats.org/presentationml/2006/main">
+  <p:cSld>
+    <p:spTree>
+      <p:nvGrpSpPr>
+        <p:cNvPr id="1" name=""/>
+        <p:cNvGrpSpPr/>
+        <p:nvPr/>
+      </p:nvGrpSpPr>
+      <p:grpSpPr>
+        <a:xfrm>
+          <a:off x="0" y="0"/>
+          <a:ext cx="0" cy="0"/>
+          <a:chOff x="0" y="0"/>
+          <a:chExt cx="0" cy="0"/>
+        </a:xfrm>
+      </p:grpSpPr>
+      <p:sp>
+        <p:nvSpPr>
+          <p:cNvPr id="4" name="Rectangle 3">
+            <a:extLst>
+              <a:ext uri="{FF2B5EF4-FFF2-40B4-BE49-F238E27FC236}">
+                <a16:creationId xmlns:a16="http://schemas.microsoft.com/office/drawing/2014/main" id="{16C33A8D-B6FD-4705-9658-260A01D6B2D4}"/>
+              </a:ext>
+            </a:extLst>
+          </p:cNvPr>
+          <p:cNvSpPr/>
+          <p:nvPr/>
+        </p:nvSpPr>
+        <p:spPr>
+          <a:xfrm>
+            <a:off x="6465194" y="1461274"/>
+            <a:ext cx="1808452" cy="643069"/>
+          </a:xfrm>
+          <a:prstGeom prst="rect">
+            <a:avLst/>
+          </a:prstGeom>
+        </p:spPr>
+        <p:style>
+          <a:lnRef idx="2">
+            <a:schemeClr val="accent5">
+              <a:shade val="50000"/>
+            </a:schemeClr>
+          </a:lnRef>
+          <a:fillRef idx="1">
+            <a:schemeClr val="accent5"/>
+          </a:fillRef>
+          <a:effectRef idx="0">
+            <a:schemeClr val="accent5"/>
+          </a:effectRef>
+          <a:fontRef idx="minor">
+            <a:schemeClr val="lt1"/>
+          </a:fontRef>
+        </p:style>
+        <p:txBody>
+          <a:bodyPr rot="0" spcFirstLastPara="0" vertOverflow="overflow" horzOverflow="overflow" vert="horz" wrap="square" lIns="34803" tIns="17402" rIns="34803" bIns="17402" numCol="1" spcCol="0" rtlCol="1" fromWordArt="0" anchor="ctr" anchorCtr="0" forceAA="0" compatLnSpc="1">
+            <a:prstTxWarp prst="textNoShape">
+              <a:avLst/>
+            </a:prstTxWarp>
+            <a:noAutofit/>
+            <a:scene3d>
+              <a:camera prst="orthographicFront"/>
+              <a:lightRig rig="soft" dir="t">
+                <a:rot lat="0" lon="0" rev="15600000"/>
+              </a:lightRig>
+            </a:scene3d>
+            <a:sp3d extrusionH="57150" prstMaterial="softEdge">
+              <a:bevelT w="25400" h="38100"/>
+            </a:sp3d>
+          </a:bodyPr>
+          <a:lstStyle/>
+          <a:p>
+            <a:pPr algn="ctr"/>
+            <a:r>
+              <a:rPr lang="en-US" sz="1675" b="1" dirty="0">
+                <a:ln w="6600">
+                  <a:noFill/>
+                  <a:prstDash val="solid"/>
+                </a:ln>
+                <a:solidFill>
+                  <a:srgbClr val="FFFF00"/>
+                </a:solidFill>
+              </a:rPr>
+              <a:t>STP – MAB</a:t>
+            </a:r>
+          </a:p>
+        </p:txBody>
+      </p:sp>
+      <p:sp>
+        <p:nvSpPr>
+          <p:cNvPr id="6" name="Rectangle 5">
+            <a:extLst>
+              <a:ext uri="{FF2B5EF4-FFF2-40B4-BE49-F238E27FC236}">
+                <a16:creationId xmlns:a16="http://schemas.microsoft.com/office/drawing/2014/main" id="{95959347-897F-4B43-BC45-D42CEA84BF38}"/>
+              </a:ext>
+            </a:extLst>
+          </p:cNvPr>
+          <p:cNvSpPr/>
+          <p:nvPr/>
+        </p:nvSpPr>
+        <p:spPr>
+          <a:xfrm>
+            <a:off x="2598299" y="1058081"/>
+            <a:ext cx="1808452" cy="643069"/>
+          </a:xfrm>
+          <a:prstGeom prst="rect">
+            <a:avLst/>
+          </a:prstGeom>
+          <a:solidFill>
+            <a:schemeClr val="accent1">
+              <a:lumMod val="50000"/>
+            </a:schemeClr>
+          </a:solidFill>
+        </p:spPr>
+        <p:style>
+          <a:lnRef idx="2">
+            <a:schemeClr val="accent5">
+              <a:shade val="50000"/>
+            </a:schemeClr>
+          </a:lnRef>
+          <a:fillRef idx="1">
+            <a:schemeClr val="accent5"/>
+          </a:fillRef>
+          <a:effectRef idx="0">
+            <a:schemeClr val="accent5"/>
+          </a:effectRef>
+          <a:fontRef idx="minor">
+            <a:schemeClr val="lt1"/>
+          </a:fontRef>
+        </p:style>
+        <p:txBody>
+          <a:bodyPr rot="0" spcFirstLastPara="0" vertOverflow="overflow" horzOverflow="overflow" vert="horz" wrap="square" lIns="34803" tIns="17402" rIns="34803" bIns="17402" numCol="1" spcCol="0" rtlCol="1" fromWordArt="0" anchor="ctr" anchorCtr="0" forceAA="0" compatLnSpc="1">
+            <a:prstTxWarp prst="textNoShape">
+              <a:avLst/>
+            </a:prstTxWarp>
+            <a:noAutofit/>
+            <a:scene3d>
+              <a:camera prst="orthographicFront"/>
+              <a:lightRig rig="soft" dir="t">
+                <a:rot lat="0" lon="0" rev="15600000"/>
+              </a:lightRig>
+            </a:scene3d>
+            <a:sp3d extrusionH="57150" prstMaterial="softEdge">
+              <a:bevelT w="25400" h="38100"/>
+            </a:sp3d>
+          </a:bodyPr>
+          <a:lstStyle/>
+          <a:p>
+            <a:pPr algn="ctr"/>
+            <a:r>
+              <a:rPr lang="en-US" sz="1675" b="1" dirty="0">
+                <a:ln w="6600">
+                  <a:noFill/>
+                  <a:prstDash val="solid"/>
+                </a:ln>
+                <a:solidFill>
+                  <a:srgbClr val="FFFF00"/>
+                </a:solidFill>
+              </a:rPr>
+              <a:t>STP - DCT</a:t>
+            </a:r>
+          </a:p>
+          <a:p>
+            <a:pPr algn="ctr"/>
+            <a:r>
+              <a:rPr lang="en-US" sz="1675" b="1" dirty="0">
+                <a:ln w="6600">
+                  <a:noFill/>
+                  <a:prstDash val="solid"/>
+                </a:ln>
+                <a:solidFill>
+                  <a:srgbClr val="FFFF00"/>
+                </a:solidFill>
+              </a:rPr>
+              <a:t>(Baseline of bias)</a:t>
+            </a:r>
+            <a:endParaRPr lang="he-IL" sz="1675" b="1" dirty="0">
+              <a:ln w="6600">
+                <a:noFill/>
+                <a:prstDash val="solid"/>
+              </a:ln>
+              <a:solidFill>
+                <a:srgbClr val="FFFF00"/>
+              </a:solidFill>
+            </a:endParaRPr>
+          </a:p>
+        </p:txBody>
+      </p:sp>
+      <p:sp>
+        <p:nvSpPr>
+          <p:cNvPr id="7" name="Rectangle 6">
+            <a:extLst>
+              <a:ext uri="{FF2B5EF4-FFF2-40B4-BE49-F238E27FC236}">
+                <a16:creationId xmlns:a16="http://schemas.microsoft.com/office/drawing/2014/main" id="{67337A74-FAB4-4354-AFB6-C3EFD618F7D8}"/>
+              </a:ext>
+            </a:extLst>
+          </p:cNvPr>
+          <p:cNvSpPr/>
+          <p:nvPr/>
+        </p:nvSpPr>
+        <p:spPr>
+          <a:xfrm>
+            <a:off x="400819" y="945405"/>
+            <a:ext cx="1808452" cy="639463"/>
+          </a:xfrm>
+          <a:prstGeom prst="rect">
+            <a:avLst/>
+          </a:prstGeom>
+        </p:spPr>
+        <p:style>
+          <a:lnRef idx="2">
+            <a:schemeClr val="accent5">
+              <a:shade val="50000"/>
+            </a:schemeClr>
+          </a:lnRef>
+          <a:fillRef idx="1">
+            <a:schemeClr val="accent5"/>
+          </a:fillRef>
+          <a:effectRef idx="0">
+            <a:schemeClr val="accent5"/>
+          </a:effectRef>
+          <a:fontRef idx="minor">
+            <a:schemeClr val="lt1"/>
+          </a:fontRef>
+        </p:style>
+        <p:txBody>
+          <a:bodyPr rot="0" spcFirstLastPara="0" vertOverflow="overflow" horzOverflow="overflow" vert="horz" wrap="square" lIns="34803" tIns="17402" rIns="34803" bIns="17402" numCol="1" spcCol="0" rtlCol="1" fromWordArt="0" anchor="ctr" anchorCtr="0" forceAA="0" compatLnSpc="1">
+            <a:prstTxWarp prst="textNoShape">
+              <a:avLst/>
+            </a:prstTxWarp>
+            <a:noAutofit/>
+            <a:scene3d>
+              <a:camera prst="orthographicFront"/>
+              <a:lightRig rig="soft" dir="t">
+                <a:rot lat="0" lon="0" rev="15600000"/>
+              </a:lightRig>
+            </a:scene3d>
+            <a:sp3d extrusionH="57150" prstMaterial="softEdge">
+              <a:bevelT w="25400" h="38100"/>
+            </a:sp3d>
+          </a:bodyPr>
+          <a:lstStyle/>
+          <a:p>
+            <a:pPr algn="ctr"/>
+            <a:r>
+              <a:rPr lang="en-US" sz="1370" b="1" dirty="0">
+                <a:ln w="6600">
+                  <a:noFill/>
+                  <a:prstDash val="solid"/>
+                </a:ln>
+                <a:solidFill>
+                  <a:srgbClr val="FFFF00"/>
+                </a:solidFill>
+              </a:rPr>
+              <a:t>Questionnaires Battery</a:t>
+            </a:r>
+          </a:p>
+          <a:p>
+            <a:pPr algn="ctr"/>
+            <a:r>
+              <a:rPr lang="en-US" sz="1370" b="1" dirty="0">
+                <a:ln w="6600">
+                  <a:noFill/>
+                  <a:prstDash val="solid"/>
+                </a:ln>
+                <a:solidFill>
+                  <a:srgbClr val="FFFF00"/>
+                </a:solidFill>
+              </a:rPr>
+              <a:t>(RRS\PTQ\ER\ DAADS)</a:t>
+            </a:r>
+            <a:endParaRPr lang="he-IL" sz="1370" b="1" dirty="0">
+              <a:solidFill>
+                <a:srgbClr val="FFFF00"/>
+              </a:solidFill>
+            </a:endParaRPr>
+          </a:p>
+        </p:txBody>
+      </p:sp>
+      <p:sp>
+        <p:nvSpPr>
+          <p:cNvPr id="8" name="Rectangle 7">
+            <a:extLst>
+              <a:ext uri="{FF2B5EF4-FFF2-40B4-BE49-F238E27FC236}">
+                <a16:creationId xmlns:a16="http://schemas.microsoft.com/office/drawing/2014/main" id="{C2DAA847-7FE1-4C59-B3CE-61523BA5CEBF}"/>
+              </a:ext>
+            </a:extLst>
+          </p:cNvPr>
+          <p:cNvSpPr/>
+          <p:nvPr/>
+        </p:nvSpPr>
+        <p:spPr>
+          <a:xfrm>
+            <a:off x="400819" y="1782809"/>
+            <a:ext cx="1808452" cy="643069"/>
+          </a:xfrm>
+          <a:prstGeom prst="rect">
+            <a:avLst/>
+          </a:prstGeom>
+        </p:spPr>
+        <p:style>
+          <a:lnRef idx="2">
+            <a:schemeClr val="accent5">
+              <a:shade val="50000"/>
+            </a:schemeClr>
+          </a:lnRef>
+          <a:fillRef idx="1">
+            <a:schemeClr val="accent5"/>
+          </a:fillRef>
+          <a:effectRef idx="0">
+            <a:schemeClr val="accent5"/>
+          </a:effectRef>
+          <a:fontRef idx="minor">
+            <a:schemeClr val="lt1"/>
+          </a:fontRef>
+        </p:style>
+        <p:txBody>
+          <a:bodyPr rot="0" spcFirstLastPara="0" vertOverflow="overflow" horzOverflow="overflow" vert="horz" wrap="square" lIns="34803" tIns="17402" rIns="34803" bIns="17402" numCol="1" spcCol="0" rtlCol="1" fromWordArt="0" anchor="ctr" anchorCtr="0" forceAA="0" compatLnSpc="1">
+            <a:prstTxWarp prst="textNoShape">
+              <a:avLst/>
+            </a:prstTxWarp>
+            <a:noAutofit/>
+            <a:scene3d>
+              <a:camera prst="orthographicFront"/>
+              <a:lightRig rig="soft" dir="t">
+                <a:rot lat="0" lon="0" rev="15600000"/>
+              </a:lightRig>
+            </a:scene3d>
+            <a:sp3d extrusionH="57150" prstMaterial="softEdge">
+              <a:bevelT w="25400" h="38100"/>
+            </a:sp3d>
+          </a:bodyPr>
+          <a:lstStyle/>
+          <a:p>
+            <a:pPr algn="ctr"/>
+            <a:r>
+              <a:rPr lang="en-US" sz="1675" b="1" dirty="0">
+                <a:ln w="6600">
+                  <a:noFill/>
+                  <a:prstDash val="solid"/>
+                </a:ln>
+                <a:solidFill>
+                  <a:srgbClr val="FFFF00"/>
+                </a:solidFill>
+              </a:rPr>
+              <a:t>STP Recoding</a:t>
+            </a:r>
+          </a:p>
+          <a:p>
+            <a:pPr algn="ctr"/>
+            <a:r>
+              <a:rPr lang="en-US" sz="1675" b="1" dirty="0">
+                <a:ln w="6600">
+                  <a:noFill/>
+                  <a:prstDash val="solid"/>
+                </a:ln>
+                <a:solidFill>
+                  <a:srgbClr val="FFFF00"/>
+                </a:solidFill>
+              </a:rPr>
+              <a:t>(audio editing)</a:t>
+            </a:r>
+          </a:p>
+        </p:txBody>
+      </p:sp>
+      <p:sp>
+        <p:nvSpPr>
+          <p:cNvPr id="9" name="Rectangle 8">
+            <a:extLst>
+              <a:ext uri="{FF2B5EF4-FFF2-40B4-BE49-F238E27FC236}">
+                <a16:creationId xmlns:a16="http://schemas.microsoft.com/office/drawing/2014/main" id="{9F654B49-C25D-48AD-A051-C5EFC18182A4}"/>
+              </a:ext>
+            </a:extLst>
+          </p:cNvPr>
+          <p:cNvSpPr/>
+          <p:nvPr/>
+        </p:nvSpPr>
+        <p:spPr>
+          <a:xfrm>
+            <a:off x="2596567" y="555374"/>
+            <a:ext cx="1791945" cy="203227"/>
+          </a:xfrm>
+          <a:prstGeom prst="rect">
+            <a:avLst/>
+          </a:prstGeom>
+          <a:solidFill>
+            <a:schemeClr val="accent5">
+              <a:lumMod val="20000"/>
+              <a:lumOff val="80000"/>
+            </a:schemeClr>
+          </a:solidFill>
+        </p:spPr>
+        <p:style>
+          <a:lnRef idx="2">
+            <a:schemeClr val="accent5">
+              <a:shade val="50000"/>
+            </a:schemeClr>
+          </a:lnRef>
+          <a:fillRef idx="1">
+            <a:schemeClr val="accent5"/>
+          </a:fillRef>
+          <a:effectRef idx="0">
+            <a:schemeClr val="accent5"/>
+          </a:effectRef>
+          <a:fontRef idx="minor">
+            <a:schemeClr val="lt1"/>
+          </a:fontRef>
+        </p:style>
+        <p:txBody>
+          <a:bodyPr rot="0" spcFirstLastPara="0" vertOverflow="overflow" horzOverflow="overflow" vert="horz" wrap="square" lIns="34803" tIns="17402" rIns="34803" bIns="17402" numCol="1" spcCol="0" rtlCol="1" fromWordArt="0" anchor="ctr" anchorCtr="0" forceAA="0" compatLnSpc="1">
+            <a:prstTxWarp prst="textNoShape">
+              <a:avLst/>
+            </a:prstTxWarp>
+            <a:noAutofit/>
+            <a:scene3d>
+              <a:camera prst="orthographicFront"/>
+              <a:lightRig rig="soft" dir="t">
+                <a:rot lat="0" lon="0" rev="15600000"/>
+              </a:lightRig>
+            </a:scene3d>
+            <a:sp3d extrusionH="57150" prstMaterial="softEdge">
+              <a:bevelT w="25400" h="38100"/>
+            </a:sp3d>
+          </a:bodyPr>
+          <a:lstStyle/>
+          <a:p>
+            <a:pPr algn="ctr"/>
+            <a:r>
+              <a:rPr lang="en-US" sz="1675" b="1" dirty="0">
+                <a:ln w="6600">
+                  <a:noFill/>
+                  <a:prstDash val="solid"/>
+                </a:ln>
+                <a:solidFill>
+                  <a:srgbClr val="FFFF00"/>
+                </a:solidFill>
+              </a:rPr>
+              <a:t>LAB</a:t>
+            </a:r>
+            <a:endParaRPr lang="he-IL" sz="1675" b="1" dirty="0">
+              <a:ln w="6600">
+                <a:noFill/>
+                <a:prstDash val="solid"/>
+              </a:ln>
+              <a:solidFill>
+                <a:srgbClr val="FFFF00"/>
+              </a:solidFill>
+            </a:endParaRPr>
+          </a:p>
+        </p:txBody>
+      </p:sp>
+      <p:sp>
+        <p:nvSpPr>
+          <p:cNvPr id="12" name="Rectangle 11">
+            <a:extLst>
+              <a:ext uri="{FF2B5EF4-FFF2-40B4-BE49-F238E27FC236}">
+                <a16:creationId xmlns:a16="http://schemas.microsoft.com/office/drawing/2014/main" id="{40BC61E4-B156-4A5F-B7F0-401B84AE211A}"/>
+              </a:ext>
+            </a:extLst>
+          </p:cNvPr>
+          <p:cNvSpPr/>
+          <p:nvPr/>
+        </p:nvSpPr>
+        <p:spPr>
+          <a:xfrm>
+            <a:off x="4553961" y="1058081"/>
+            <a:ext cx="1808452" cy="643069"/>
+          </a:xfrm>
+          <a:prstGeom prst="rect">
+            <a:avLst/>
+          </a:prstGeom>
+          <a:solidFill>
+            <a:schemeClr val="accent1">
+              <a:lumMod val="50000"/>
+            </a:schemeClr>
+          </a:solidFill>
+        </p:spPr>
+        <p:style>
+          <a:lnRef idx="2">
+            <a:schemeClr val="accent5">
+              <a:shade val="50000"/>
+            </a:schemeClr>
+          </a:lnRef>
+          <a:fillRef idx="1">
+            <a:schemeClr val="accent5"/>
+          </a:fillRef>
+          <a:effectRef idx="0">
+            <a:schemeClr val="accent5"/>
+          </a:effectRef>
+          <a:fontRef idx="minor">
+            <a:schemeClr val="lt1"/>
+          </a:fontRef>
+        </p:style>
+        <p:txBody>
+          <a:bodyPr rot="0" spcFirstLastPara="0" vertOverflow="overflow" horzOverflow="overflow" vert="horz" wrap="square" lIns="34803" tIns="17402" rIns="34803" bIns="17402" numCol="1" spcCol="0" rtlCol="1" fromWordArt="0" anchor="ctr" anchorCtr="0" forceAA="0" compatLnSpc="1">
+            <a:prstTxWarp prst="textNoShape">
+              <a:avLst/>
+            </a:prstTxWarp>
+            <a:noAutofit/>
+            <a:scene3d>
+              <a:camera prst="orthographicFront"/>
+              <a:lightRig rig="soft" dir="t">
+                <a:rot lat="0" lon="0" rev="15600000"/>
+              </a:lightRig>
+            </a:scene3d>
+            <a:sp3d extrusionH="57150" prstMaterial="softEdge">
+              <a:bevelT w="25400" h="38100"/>
+            </a:sp3d>
+          </a:bodyPr>
+          <a:lstStyle/>
+          <a:p>
+            <a:pPr algn="ctr"/>
+            <a:r>
+              <a:rPr lang="en-US" sz="1675" b="1" dirty="0">
+                <a:ln w="6600">
+                  <a:noFill/>
+                  <a:prstDash val="solid"/>
+                </a:ln>
+                <a:solidFill>
+                  <a:srgbClr val="FFFF00"/>
+                </a:solidFill>
+              </a:rPr>
+              <a:t>STP – A-FACT - DCT</a:t>
+            </a:r>
+          </a:p>
+          <a:p>
+            <a:pPr algn="ctr"/>
+            <a:r>
+              <a:rPr lang="en-US" sz="1675" b="1" dirty="0">
+                <a:ln w="6600">
+                  <a:noFill/>
+                  <a:prstDash val="solid"/>
+                </a:ln>
+                <a:solidFill>
+                  <a:srgbClr val="FFFF00"/>
+                </a:solidFill>
+              </a:rPr>
+              <a:t>(Training)</a:t>
+            </a:r>
+            <a:endParaRPr lang="he-IL" sz="1675" b="1" dirty="0">
+              <a:ln w="6600">
+                <a:noFill/>
+                <a:prstDash val="solid"/>
+              </a:ln>
+              <a:solidFill>
+                <a:srgbClr val="FFFF00"/>
+              </a:solidFill>
+            </a:endParaRPr>
+          </a:p>
+        </p:txBody>
+      </p:sp>
+      <p:sp>
+        <p:nvSpPr>
+          <p:cNvPr id="15" name="Rectangle 14">
+            <a:extLst>
+              <a:ext uri="{FF2B5EF4-FFF2-40B4-BE49-F238E27FC236}">
+                <a16:creationId xmlns:a16="http://schemas.microsoft.com/office/drawing/2014/main" id="{7562F206-E750-4EE3-AED9-37F8C72F1A6B}"/>
+              </a:ext>
+            </a:extLst>
+          </p:cNvPr>
+          <p:cNvSpPr/>
+          <p:nvPr/>
+        </p:nvSpPr>
+        <p:spPr>
+          <a:xfrm>
+            <a:off x="6465194" y="657810"/>
+            <a:ext cx="1808452" cy="643069"/>
+          </a:xfrm>
+          <a:prstGeom prst="rect">
+            <a:avLst/>
+          </a:prstGeom>
+        </p:spPr>
+        <p:style>
+          <a:lnRef idx="2">
+            <a:schemeClr val="accent5">
+              <a:shade val="50000"/>
+            </a:schemeClr>
+          </a:lnRef>
+          <a:fillRef idx="1">
+            <a:schemeClr val="accent5"/>
+          </a:fillRef>
+          <a:effectRef idx="0">
+            <a:schemeClr val="accent5"/>
+          </a:effectRef>
+          <a:fontRef idx="minor">
+            <a:schemeClr val="lt1"/>
+          </a:fontRef>
+        </p:style>
+        <p:txBody>
+          <a:bodyPr rot="0" spcFirstLastPara="0" vertOverflow="overflow" horzOverflow="overflow" vert="horz" wrap="square" lIns="34803" tIns="17402" rIns="34803" bIns="17402" numCol="1" spcCol="0" rtlCol="1" fromWordArt="0" anchor="ctr" anchorCtr="0" forceAA="0" compatLnSpc="1">
+            <a:prstTxWarp prst="textNoShape">
+              <a:avLst/>
+            </a:prstTxWarp>
+            <a:noAutofit/>
+            <a:scene3d>
+              <a:camera prst="orthographicFront"/>
+              <a:lightRig rig="soft" dir="t">
+                <a:rot lat="0" lon="0" rev="15600000"/>
+              </a:lightRig>
+            </a:scene3d>
+            <a:sp3d extrusionH="57150" prstMaterial="softEdge">
+              <a:bevelT w="25400" h="38100"/>
+            </a:sp3d>
+          </a:bodyPr>
+          <a:lstStyle/>
+          <a:p>
+            <a:pPr algn="ctr"/>
+            <a:r>
+              <a:rPr lang="en-US" sz="1675" b="1" dirty="0">
+                <a:ln w="6600">
+                  <a:noFill/>
+                  <a:prstDash val="solid"/>
+                </a:ln>
+                <a:solidFill>
+                  <a:srgbClr val="FFFF00"/>
+                </a:solidFill>
+              </a:rPr>
+              <a:t>STP – DCT</a:t>
+            </a:r>
+          </a:p>
+          <a:p>
+            <a:pPr algn="ctr"/>
+            <a:r>
+              <a:rPr lang="en-US" sz="1675" b="1" dirty="0">
+                <a:ln w="6600">
+                  <a:noFill/>
+                  <a:prstDash val="solid"/>
+                </a:ln>
+                <a:solidFill>
+                  <a:srgbClr val="FFFF00"/>
+                </a:solidFill>
+              </a:rPr>
+              <a:t>(post-</a:t>
+            </a:r>
+            <a:r>
+              <a:rPr lang="en-US" sz="1675" b="1" dirty="0" err="1">
+                <a:ln w="6600">
+                  <a:noFill/>
+                  <a:prstDash val="solid"/>
+                </a:ln>
+                <a:solidFill>
+                  <a:srgbClr val="FFFF00"/>
+                </a:solidFill>
+              </a:rPr>
+              <a:t>interv</a:t>
+            </a:r>
+            <a:r>
+              <a:rPr lang="en-US" sz="1675" b="1" dirty="0">
+                <a:ln w="6600">
+                  <a:noFill/>
+                  <a:prstDash val="solid"/>
+                </a:ln>
+                <a:solidFill>
+                  <a:srgbClr val="FFFF00"/>
+                </a:solidFill>
+              </a:rPr>
+              <a:t>)</a:t>
+            </a:r>
+            <a:endParaRPr lang="he-IL" sz="1675" b="1" dirty="0">
+              <a:ln w="6600">
+                <a:noFill/>
+                <a:prstDash val="solid"/>
+              </a:ln>
+              <a:solidFill>
+                <a:srgbClr val="FFFF00"/>
+              </a:solidFill>
+            </a:endParaRPr>
+          </a:p>
+        </p:txBody>
+      </p:sp>
+      <p:sp>
+        <p:nvSpPr>
+          <p:cNvPr id="17" name="Rectangle 16">
+            <a:extLst>
+              <a:ext uri="{FF2B5EF4-FFF2-40B4-BE49-F238E27FC236}">
+                <a16:creationId xmlns:a16="http://schemas.microsoft.com/office/drawing/2014/main" id="{2CD6E57E-A739-4E10-9016-5B9AB64B05C4}"/>
+              </a:ext>
+            </a:extLst>
+          </p:cNvPr>
+          <p:cNvSpPr/>
+          <p:nvPr/>
+        </p:nvSpPr>
+        <p:spPr>
+          <a:xfrm>
+            <a:off x="8399515" y="1068304"/>
+            <a:ext cx="1808452" cy="643069"/>
+          </a:xfrm>
+          <a:prstGeom prst="rect">
+            <a:avLst/>
+          </a:prstGeom>
+        </p:spPr>
+        <p:style>
+          <a:lnRef idx="2">
+            <a:schemeClr val="accent5">
+              <a:shade val="50000"/>
+            </a:schemeClr>
+          </a:lnRef>
+          <a:fillRef idx="1">
+            <a:schemeClr val="accent5"/>
+          </a:fillRef>
+          <a:effectRef idx="0">
+            <a:schemeClr val="accent5"/>
+          </a:effectRef>
+          <a:fontRef idx="minor">
+            <a:schemeClr val="lt1"/>
+          </a:fontRef>
+        </p:style>
+        <p:txBody>
+          <a:bodyPr rot="0" spcFirstLastPara="0" vertOverflow="overflow" horzOverflow="overflow" vert="horz" wrap="square" lIns="34803" tIns="17402" rIns="34803" bIns="17402" numCol="1" spcCol="0" rtlCol="1" fromWordArt="0" anchor="ctr" anchorCtr="0" forceAA="0" compatLnSpc="1">
+            <a:prstTxWarp prst="textNoShape">
+              <a:avLst/>
+            </a:prstTxWarp>
+            <a:noAutofit/>
+            <a:scene3d>
+              <a:camera prst="orthographicFront"/>
+              <a:lightRig rig="soft" dir="t">
+                <a:rot lat="0" lon="0" rev="15600000"/>
+              </a:lightRig>
+            </a:scene3d>
+            <a:sp3d extrusionH="57150" prstMaterial="softEdge">
+              <a:bevelT w="25400" h="38100"/>
+            </a:sp3d>
+          </a:bodyPr>
+          <a:lstStyle/>
+          <a:p>
+            <a:pPr algn="ctr"/>
+            <a:r>
+              <a:rPr lang="en-US" sz="1522" b="1" dirty="0">
+                <a:ln w="6600">
+                  <a:noFill/>
+                  <a:prstDash val="solid"/>
+                </a:ln>
+                <a:solidFill>
+                  <a:srgbClr val="FFFF00"/>
+                </a:solidFill>
+              </a:rPr>
+              <a:t>ONE BACK DICHOTIC</a:t>
+            </a:r>
+          </a:p>
+          <a:p>
+            <a:pPr algn="ctr"/>
+            <a:r>
+              <a:rPr lang="en-US" sz="1522" b="1" dirty="0">
+                <a:ln w="6600">
+                  <a:noFill/>
+                  <a:prstDash val="solid"/>
+                </a:ln>
+                <a:solidFill>
+                  <a:srgbClr val="FFFF00"/>
+                </a:solidFill>
+              </a:rPr>
+              <a:t>STP</a:t>
+            </a:r>
+            <a:endParaRPr lang="he-IL" sz="1522" b="1" dirty="0">
+              <a:ln w="6600">
+                <a:noFill/>
+                <a:prstDash val="solid"/>
+              </a:ln>
+              <a:solidFill>
+                <a:srgbClr val="FFFF00"/>
+              </a:solidFill>
+            </a:endParaRPr>
+          </a:p>
+        </p:txBody>
+      </p:sp>
+      <p:sp>
+        <p:nvSpPr>
+          <p:cNvPr id="37" name="Oval 36">
+            <a:extLst>
+              <a:ext uri="{FF2B5EF4-FFF2-40B4-BE49-F238E27FC236}">
+                <a16:creationId xmlns:a16="http://schemas.microsoft.com/office/drawing/2014/main" id="{F45E9841-2672-4427-8594-F51835B1745F}"/>
+              </a:ext>
+            </a:extLst>
+          </p:cNvPr>
+          <p:cNvSpPr/>
+          <p:nvPr/>
+        </p:nvSpPr>
+        <p:spPr>
+          <a:xfrm>
+            <a:off x="10297612" y="757707"/>
+            <a:ext cx="1808452" cy="1172598"/>
+          </a:xfrm>
+          <a:prstGeom prst="ellipse">
+            <a:avLst/>
+          </a:prstGeom>
+        </p:spPr>
+        <p:style>
+          <a:lnRef idx="2">
+            <a:schemeClr val="accent6">
+              <a:shade val="50000"/>
+            </a:schemeClr>
+          </a:lnRef>
+          <a:fillRef idx="1">
+            <a:schemeClr val="accent6"/>
+          </a:fillRef>
+          <a:effectRef idx="0">
+            <a:schemeClr val="accent6"/>
+          </a:effectRef>
+          <a:fontRef idx="minor">
+            <a:schemeClr val="lt1"/>
+          </a:fontRef>
+        </p:style>
+        <p:txBody>
+          <a:bodyPr rot="0" spcFirstLastPara="0" vertOverflow="overflow" horzOverflow="overflow" vert="horz" wrap="square" lIns="34803" tIns="17402" rIns="34803" bIns="17402" numCol="1" spcCol="0" rtlCol="1" fromWordArt="0" anchor="ctr" anchorCtr="0" forceAA="0" compatLnSpc="1">
+            <a:prstTxWarp prst="textNoShape">
+              <a:avLst/>
+            </a:prstTxWarp>
+            <a:noAutofit/>
+            <a:scene3d>
+              <a:camera prst="orthographicFront"/>
+              <a:lightRig rig="soft" dir="t">
+                <a:rot lat="0" lon="0" rev="15600000"/>
+              </a:lightRig>
+            </a:scene3d>
+            <a:sp3d extrusionH="57150" prstMaterial="softEdge">
+              <a:bevelT w="25400" h="38100"/>
+            </a:sp3d>
+          </a:bodyPr>
+          <a:lstStyle/>
+          <a:p>
+            <a:pPr algn="ctr"/>
+            <a:r>
+              <a:rPr lang="en-US" sz="1827" b="1" dirty="0">
+                <a:ln/>
+                <a:solidFill>
+                  <a:schemeClr val="accent4"/>
+                </a:solidFill>
+                <a:cs typeface="+mj-cs"/>
+              </a:rPr>
+              <a:t>AFACT</a:t>
+            </a:r>
+            <a:endParaRPr lang="he-IL" sz="1827" b="1" dirty="0">
+              <a:ln/>
+              <a:solidFill>
+                <a:schemeClr val="accent4"/>
+              </a:solidFill>
+              <a:cs typeface="+mj-cs"/>
+            </a:endParaRPr>
+          </a:p>
+        </p:txBody>
+      </p:sp>
+      <p:cxnSp>
+        <p:nvCxnSpPr>
+          <p:cNvPr id="33" name="Straight Arrow Connector 31">
+            <a:extLst>
+              <a:ext uri="{FF2B5EF4-FFF2-40B4-BE49-F238E27FC236}">
+                <a16:creationId xmlns:a16="http://schemas.microsoft.com/office/drawing/2014/main" id="{F0F5F089-EB46-4048-AFD8-8064F5C06F88}"/>
+              </a:ext>
+            </a:extLst>
+          </p:cNvPr>
+          <p:cNvCxnSpPr>
+            <a:cxnSpLocks/>
+          </p:cNvCxnSpPr>
+          <p:nvPr/>
+        </p:nvCxnSpPr>
+        <p:spPr>
+          <a:xfrm>
+            <a:off x="4408916" y="1379616"/>
+            <a:ext cx="149541" cy="0"/>
+          </a:xfrm>
+          <a:prstGeom prst="straightConnector1">
+            <a:avLst/>
+          </a:prstGeom>
+          <a:ln w="57150">
+            <a:tailEnd type="triangle"/>
+          </a:ln>
+        </p:spPr>
+        <p:style>
+          <a:lnRef idx="1">
+            <a:schemeClr val="accent2"/>
+          </a:lnRef>
+          <a:fillRef idx="0">
+            <a:schemeClr val="accent2"/>
+          </a:fillRef>
+          <a:effectRef idx="0">
+            <a:schemeClr val="accent2"/>
+          </a:effectRef>
+          <a:fontRef idx="minor">
+            <a:schemeClr val="tx1"/>
+          </a:fontRef>
+        </p:style>
+      </p:cxnSp>
+      <p:cxnSp>
+        <p:nvCxnSpPr>
+          <p:cNvPr id="30" name="Straight Arrow Connector 31">
+            <a:extLst>
+              <a:ext uri="{FF2B5EF4-FFF2-40B4-BE49-F238E27FC236}">
+                <a16:creationId xmlns:a16="http://schemas.microsoft.com/office/drawing/2014/main" id="{23471927-E03C-455B-B686-B65AED3F6558}"/>
+              </a:ext>
+            </a:extLst>
+          </p:cNvPr>
+          <p:cNvCxnSpPr>
+            <a:cxnSpLocks/>
+          </p:cNvCxnSpPr>
+          <p:nvPr/>
+        </p:nvCxnSpPr>
+        <p:spPr>
+          <a:xfrm>
+            <a:off x="6360682" y="1372356"/>
+            <a:ext cx="204368" cy="5525"/>
+          </a:xfrm>
+          <a:prstGeom prst="straightConnector1">
+            <a:avLst/>
+          </a:prstGeom>
+          <a:ln w="57150">
+            <a:tailEnd type="triangle"/>
+          </a:ln>
+        </p:spPr>
+        <p:style>
+          <a:lnRef idx="1">
+            <a:schemeClr val="accent2"/>
+          </a:lnRef>
+          <a:fillRef idx="0">
+            <a:schemeClr val="accent2"/>
+          </a:fillRef>
+          <a:effectRef idx="0">
+            <a:schemeClr val="accent2"/>
+          </a:effectRef>
+          <a:fontRef idx="minor">
+            <a:schemeClr val="tx1"/>
+          </a:fontRef>
+        </p:style>
+      </p:cxnSp>
+      <p:sp>
+        <p:nvSpPr>
+          <p:cNvPr id="35" name="Rectangle 7">
+            <a:extLst>
+              <a:ext uri="{FF2B5EF4-FFF2-40B4-BE49-F238E27FC236}">
+                <a16:creationId xmlns:a16="http://schemas.microsoft.com/office/drawing/2014/main" id="{D7C4BCBA-84B1-4DC3-9C94-6370AB1BBC05}"/>
+              </a:ext>
+            </a:extLst>
+          </p:cNvPr>
+          <p:cNvSpPr/>
+          <p:nvPr/>
+        </p:nvSpPr>
+        <p:spPr>
+          <a:xfrm>
+            <a:off x="2678720" y="16266330"/>
+            <a:ext cx="933129" cy="406995"/>
+          </a:xfrm>
+          <a:prstGeom prst="rect">
+            <a:avLst/>
+          </a:prstGeom>
+        </p:spPr>
+        <p:style>
+          <a:lnRef idx="2">
+            <a:schemeClr val="accent5">
+              <a:shade val="50000"/>
+            </a:schemeClr>
+          </a:lnRef>
+          <a:fillRef idx="1">
+            <a:schemeClr val="accent5"/>
+          </a:fillRef>
+          <a:effectRef idx="0">
+            <a:schemeClr val="accent5"/>
+          </a:effectRef>
+          <a:fontRef idx="minor">
+            <a:schemeClr val="lt1"/>
+          </a:fontRef>
+        </p:style>
+        <p:txBody>
+          <a:bodyPr rot="0" spcFirstLastPara="0" vertOverflow="overflow" horzOverflow="overflow" vert="horz" wrap="square" lIns="34803" tIns="17402" rIns="34803" bIns="17402" numCol="1" spcCol="0" rtlCol="1" fromWordArt="0" anchor="ctr" anchorCtr="0" forceAA="0" compatLnSpc="1">
+            <a:prstTxWarp prst="textNoShape">
+              <a:avLst/>
+            </a:prstTxWarp>
+            <a:noAutofit/>
+            <a:scene3d>
+              <a:camera prst="orthographicFront"/>
+              <a:lightRig rig="soft" dir="t">
+                <a:rot lat="0" lon="0" rev="15600000"/>
+              </a:lightRig>
+            </a:scene3d>
+            <a:sp3d extrusionH="57150" prstMaterial="softEdge">
+              <a:bevelT w="25400" h="38100"/>
+            </a:sp3d>
+          </a:bodyPr>
+          <a:lstStyle/>
+          <a:p>
+            <a:pPr algn="ctr"/>
+            <a:r>
+              <a:rPr lang="en-US" sz="913" b="1" dirty="0">
+                <a:ln w="6600">
+                  <a:noFill/>
+                  <a:prstDash val="solid"/>
+                </a:ln>
+                <a:solidFill>
+                  <a:srgbClr val="FFFF00"/>
+                </a:solidFill>
+              </a:rPr>
+              <a:t>STP Recoding</a:t>
+            </a:r>
+          </a:p>
+          <a:p>
+            <a:pPr algn="ctr"/>
+            <a:r>
+              <a:rPr lang="en-US" sz="913" b="1" dirty="0">
+                <a:ln w="6600">
+                  <a:noFill/>
+                  <a:prstDash val="solid"/>
+                </a:ln>
+                <a:solidFill>
+                  <a:srgbClr val="FFFF00"/>
+                </a:solidFill>
+              </a:rPr>
+              <a:t>(audio editing)</a:t>
+            </a:r>
+          </a:p>
+        </p:txBody>
+      </p:sp>
+      <p:sp>
+        <p:nvSpPr>
+          <p:cNvPr id="38" name="Rectangle 7">
+            <a:extLst>
+              <a:ext uri="{FF2B5EF4-FFF2-40B4-BE49-F238E27FC236}">
+                <a16:creationId xmlns:a16="http://schemas.microsoft.com/office/drawing/2014/main" id="{D7681B6F-E2C8-4102-B5DA-36BD91BFCCD5}"/>
+              </a:ext>
+            </a:extLst>
+          </p:cNvPr>
+          <p:cNvSpPr/>
+          <p:nvPr/>
+        </p:nvSpPr>
+        <p:spPr>
+          <a:xfrm>
+            <a:off x="2678720" y="-9488122"/>
+            <a:ext cx="933129" cy="406995"/>
+          </a:xfrm>
+          <a:prstGeom prst="rect">
+            <a:avLst/>
+          </a:prstGeom>
+        </p:spPr>
+        <p:style>
+          <a:lnRef idx="2">
+            <a:schemeClr val="accent5">
+              <a:shade val="50000"/>
+            </a:schemeClr>
+          </a:lnRef>
+          <a:fillRef idx="1">
+            <a:schemeClr val="accent5"/>
+          </a:fillRef>
+          <a:effectRef idx="0">
+            <a:schemeClr val="accent5"/>
+          </a:effectRef>
+          <a:fontRef idx="minor">
+            <a:schemeClr val="lt1"/>
+          </a:fontRef>
+        </p:style>
+        <p:txBody>
+          <a:bodyPr rot="0" spcFirstLastPara="0" vertOverflow="overflow" horzOverflow="overflow" vert="horz" wrap="square" lIns="34803" tIns="17402" rIns="34803" bIns="17402" numCol="1" spcCol="0" rtlCol="1" fromWordArt="0" anchor="ctr" anchorCtr="0" forceAA="0" compatLnSpc="1">
+            <a:prstTxWarp prst="textNoShape">
+              <a:avLst/>
+            </a:prstTxWarp>
+            <a:noAutofit/>
+            <a:scene3d>
+              <a:camera prst="orthographicFront"/>
+              <a:lightRig rig="soft" dir="t">
+                <a:rot lat="0" lon="0" rev="15600000"/>
+              </a:lightRig>
+            </a:scene3d>
+            <a:sp3d extrusionH="57150" prstMaterial="softEdge">
+              <a:bevelT w="25400" h="38100"/>
+            </a:sp3d>
+          </a:bodyPr>
+          <a:lstStyle/>
+          <a:p>
+            <a:pPr algn="ctr"/>
+            <a:r>
+              <a:rPr lang="en-US" sz="913" b="1" dirty="0">
+                <a:ln w="6600">
+                  <a:noFill/>
+                  <a:prstDash val="solid"/>
+                </a:ln>
+                <a:solidFill>
+                  <a:srgbClr val="FFFF00"/>
+                </a:solidFill>
+              </a:rPr>
+              <a:t>STP Recoding</a:t>
+            </a:r>
+          </a:p>
+          <a:p>
+            <a:pPr algn="ctr"/>
+            <a:r>
+              <a:rPr lang="en-US" sz="913" b="1" dirty="0">
+                <a:ln w="6600">
+                  <a:noFill/>
+                  <a:prstDash val="solid"/>
+                </a:ln>
+                <a:solidFill>
+                  <a:srgbClr val="FFFF00"/>
+                </a:solidFill>
+              </a:rPr>
+              <a:t>(audio editing)</a:t>
+            </a:r>
+          </a:p>
+        </p:txBody>
+      </p:sp>
+      <p:sp>
+        <p:nvSpPr>
+          <p:cNvPr id="39" name="Rectangle 3">
+            <a:extLst>
+              <a:ext uri="{FF2B5EF4-FFF2-40B4-BE49-F238E27FC236}">
+                <a16:creationId xmlns:a16="http://schemas.microsoft.com/office/drawing/2014/main" id="{9C3421CE-1845-4CD8-80C9-85D8C85CC3EC}"/>
+              </a:ext>
+            </a:extLst>
+          </p:cNvPr>
+          <p:cNvSpPr/>
+          <p:nvPr/>
+        </p:nvSpPr>
+        <p:spPr>
+          <a:xfrm>
+            <a:off x="6453535" y="3186637"/>
+            <a:ext cx="1808452" cy="643069"/>
+          </a:xfrm>
+          <a:prstGeom prst="rect">
+            <a:avLst/>
+          </a:prstGeom>
+        </p:spPr>
+        <p:style>
+          <a:lnRef idx="2">
+            <a:schemeClr val="accent5">
+              <a:shade val="50000"/>
+            </a:schemeClr>
+          </a:lnRef>
+          <a:fillRef idx="1">
+            <a:schemeClr val="accent5"/>
+          </a:fillRef>
+          <a:effectRef idx="0">
+            <a:schemeClr val="accent5"/>
+          </a:effectRef>
+          <a:fontRef idx="minor">
+            <a:schemeClr val="lt1"/>
+          </a:fontRef>
+        </p:style>
+        <p:txBody>
+          <a:bodyPr rot="0" spcFirstLastPara="0" vertOverflow="overflow" horzOverflow="overflow" vert="horz" wrap="square" lIns="34803" tIns="17402" rIns="34803" bIns="17402" numCol="1" spcCol="0" rtlCol="1" fromWordArt="0" anchor="ctr" anchorCtr="0" forceAA="0" compatLnSpc="1">
+            <a:prstTxWarp prst="textNoShape">
+              <a:avLst/>
+            </a:prstTxWarp>
+            <a:noAutofit/>
+            <a:scene3d>
+              <a:camera prst="orthographicFront"/>
+              <a:lightRig rig="soft" dir="t">
+                <a:rot lat="0" lon="0" rev="15600000"/>
+              </a:lightRig>
+            </a:scene3d>
+            <a:sp3d extrusionH="57150" prstMaterial="softEdge">
+              <a:bevelT w="25400" h="38100"/>
+            </a:sp3d>
+          </a:bodyPr>
+          <a:lstStyle/>
+          <a:p>
+            <a:pPr algn="ctr"/>
+            <a:r>
+              <a:rPr lang="en-US" sz="1675" b="1" dirty="0">
+                <a:ln w="6600">
+                  <a:noFill/>
+                  <a:prstDash val="solid"/>
+                </a:ln>
+                <a:solidFill>
+                  <a:srgbClr val="FFFF00"/>
+                </a:solidFill>
+              </a:rPr>
+              <a:t>STP – MAB</a:t>
+            </a:r>
+          </a:p>
+        </p:txBody>
+      </p:sp>
+      <p:sp>
+        <p:nvSpPr>
+          <p:cNvPr id="40" name="Rectangle 5">
+            <a:extLst>
+              <a:ext uri="{FF2B5EF4-FFF2-40B4-BE49-F238E27FC236}">
+                <a16:creationId xmlns:a16="http://schemas.microsoft.com/office/drawing/2014/main" id="{B01E8F18-79AE-4519-9B96-503AFE7CA5E4}"/>
+              </a:ext>
+            </a:extLst>
+          </p:cNvPr>
+          <p:cNvSpPr/>
+          <p:nvPr/>
+        </p:nvSpPr>
+        <p:spPr>
+          <a:xfrm>
+            <a:off x="2580060" y="2715239"/>
+            <a:ext cx="1808452" cy="643069"/>
+          </a:xfrm>
+          <a:prstGeom prst="rect">
+            <a:avLst/>
+          </a:prstGeom>
+          <a:solidFill>
+            <a:schemeClr val="accent1">
+              <a:lumMod val="50000"/>
+            </a:schemeClr>
+          </a:solidFill>
+        </p:spPr>
+        <p:style>
+          <a:lnRef idx="2">
+            <a:schemeClr val="accent5">
+              <a:shade val="50000"/>
+            </a:schemeClr>
+          </a:lnRef>
+          <a:fillRef idx="1">
+            <a:schemeClr val="accent5"/>
+          </a:fillRef>
+          <a:effectRef idx="0">
+            <a:schemeClr val="accent5"/>
+          </a:effectRef>
+          <a:fontRef idx="minor">
+            <a:schemeClr val="lt1"/>
+          </a:fontRef>
+        </p:style>
+        <p:txBody>
+          <a:bodyPr rot="0" spcFirstLastPara="0" vertOverflow="overflow" horzOverflow="overflow" vert="horz" wrap="square" lIns="34803" tIns="17402" rIns="34803" bIns="17402" numCol="1" spcCol="0" rtlCol="1" fromWordArt="0" anchor="ctr" anchorCtr="0" forceAA="0" compatLnSpc="1">
+            <a:prstTxWarp prst="textNoShape">
+              <a:avLst/>
+            </a:prstTxWarp>
+            <a:noAutofit/>
+            <a:scene3d>
+              <a:camera prst="orthographicFront"/>
+              <a:lightRig rig="soft" dir="t">
+                <a:rot lat="0" lon="0" rev="15600000"/>
+              </a:lightRig>
+            </a:scene3d>
+            <a:sp3d extrusionH="57150" prstMaterial="softEdge">
+              <a:bevelT w="25400" h="38100"/>
+            </a:sp3d>
+          </a:bodyPr>
+          <a:lstStyle/>
+          <a:p>
+            <a:pPr algn="ctr"/>
+            <a:r>
+              <a:rPr lang="en-US" sz="1675" b="1" dirty="0">
+                <a:ln w="6600">
+                  <a:noFill/>
+                  <a:prstDash val="solid"/>
+                </a:ln>
+                <a:solidFill>
+                  <a:srgbClr val="FFFF00"/>
+                </a:solidFill>
+              </a:rPr>
+              <a:t>STP - DCT</a:t>
+            </a:r>
+          </a:p>
+          <a:p>
+            <a:pPr algn="ctr"/>
+            <a:r>
+              <a:rPr lang="en-US" sz="1675" b="1" dirty="0">
+                <a:ln w="6600">
+                  <a:noFill/>
+                  <a:prstDash val="solid"/>
+                </a:ln>
+                <a:solidFill>
+                  <a:srgbClr val="FFFF00"/>
+                </a:solidFill>
+              </a:rPr>
+              <a:t>(Baseline of bias)</a:t>
+            </a:r>
+            <a:endParaRPr lang="he-IL" sz="1675" b="1" dirty="0">
+              <a:ln w="6600">
+                <a:noFill/>
+                <a:prstDash val="solid"/>
+              </a:ln>
+              <a:solidFill>
+                <a:srgbClr val="FFFF00"/>
+              </a:solidFill>
+            </a:endParaRPr>
+          </a:p>
+        </p:txBody>
+      </p:sp>
+      <p:sp>
+        <p:nvSpPr>
+          <p:cNvPr id="42" name="Rectangle 11">
+            <a:extLst>
+              <a:ext uri="{FF2B5EF4-FFF2-40B4-BE49-F238E27FC236}">
+                <a16:creationId xmlns:a16="http://schemas.microsoft.com/office/drawing/2014/main" id="{9B0D967B-0E86-4A25-8370-6FD909BDCE37}"/>
+              </a:ext>
+            </a:extLst>
+          </p:cNvPr>
+          <p:cNvSpPr/>
+          <p:nvPr/>
+        </p:nvSpPr>
+        <p:spPr>
+          <a:xfrm>
+            <a:off x="4535722" y="2715239"/>
+            <a:ext cx="1808452" cy="643069"/>
+          </a:xfrm>
+          <a:prstGeom prst="rect">
+            <a:avLst/>
+          </a:prstGeom>
+          <a:solidFill>
+            <a:schemeClr val="accent1">
+              <a:lumMod val="50000"/>
+            </a:schemeClr>
+          </a:solidFill>
+        </p:spPr>
+        <p:style>
+          <a:lnRef idx="2">
+            <a:schemeClr val="accent5">
+              <a:shade val="50000"/>
+            </a:schemeClr>
+          </a:lnRef>
+          <a:fillRef idx="1">
+            <a:schemeClr val="accent5"/>
+          </a:fillRef>
+          <a:effectRef idx="0">
+            <a:schemeClr val="accent5"/>
+          </a:effectRef>
+          <a:fontRef idx="minor">
+            <a:schemeClr val="lt1"/>
+          </a:fontRef>
+        </p:style>
+        <p:txBody>
+          <a:bodyPr rot="0" spcFirstLastPara="0" vertOverflow="overflow" horzOverflow="overflow" vert="horz" wrap="square" lIns="34803" tIns="17402" rIns="34803" bIns="17402" numCol="1" spcCol="0" rtlCol="1" fromWordArt="0" anchor="ctr" anchorCtr="0" forceAA="0" compatLnSpc="1">
+            <a:prstTxWarp prst="textNoShape">
+              <a:avLst/>
+            </a:prstTxWarp>
+            <a:noAutofit/>
+            <a:scene3d>
+              <a:camera prst="orthographicFront"/>
+              <a:lightRig rig="soft" dir="t">
+                <a:rot lat="0" lon="0" rev="15600000"/>
+              </a:lightRig>
+            </a:scene3d>
+            <a:sp3d extrusionH="57150" prstMaterial="softEdge">
+              <a:bevelT w="25400" h="38100"/>
+            </a:sp3d>
+          </a:bodyPr>
+          <a:lstStyle/>
+          <a:p>
+            <a:pPr algn="ctr"/>
+            <a:r>
+              <a:rPr lang="en-US" sz="1675" b="1" dirty="0">
+                <a:ln w="6600">
+                  <a:noFill/>
+                  <a:prstDash val="solid"/>
+                </a:ln>
+                <a:solidFill>
+                  <a:srgbClr val="FFFF00"/>
+                </a:solidFill>
+              </a:rPr>
+              <a:t>BMM</a:t>
+            </a:r>
+          </a:p>
+          <a:p>
+            <a:pPr algn="ctr"/>
+            <a:r>
+              <a:rPr lang="en-US" sz="1675" b="1" dirty="0">
+                <a:ln w="6600">
+                  <a:noFill/>
+                  <a:prstDash val="solid"/>
+                </a:ln>
+                <a:solidFill>
+                  <a:srgbClr val="FFFF00"/>
+                </a:solidFill>
+              </a:rPr>
+              <a:t>(Training)</a:t>
+            </a:r>
+            <a:endParaRPr lang="he-IL" sz="1675" b="1" dirty="0">
+              <a:ln w="6600">
+                <a:noFill/>
+                <a:prstDash val="solid"/>
+              </a:ln>
+              <a:solidFill>
+                <a:srgbClr val="FFFF00"/>
+              </a:solidFill>
+            </a:endParaRPr>
+          </a:p>
+        </p:txBody>
+      </p:sp>
+      <p:sp>
+        <p:nvSpPr>
+          <p:cNvPr id="43" name="Rectangle 14">
+            <a:extLst>
+              <a:ext uri="{FF2B5EF4-FFF2-40B4-BE49-F238E27FC236}">
+                <a16:creationId xmlns:a16="http://schemas.microsoft.com/office/drawing/2014/main" id="{7D49AC33-E581-424D-8F0D-A9D95A567105}"/>
+              </a:ext>
+            </a:extLst>
+          </p:cNvPr>
+          <p:cNvSpPr/>
+          <p:nvPr/>
+        </p:nvSpPr>
+        <p:spPr>
+          <a:xfrm>
+            <a:off x="6465194" y="2391872"/>
+            <a:ext cx="1808452" cy="643069"/>
+          </a:xfrm>
+          <a:prstGeom prst="rect">
+            <a:avLst/>
+          </a:prstGeom>
+        </p:spPr>
+        <p:style>
+          <a:lnRef idx="2">
+            <a:schemeClr val="accent5">
+              <a:shade val="50000"/>
+            </a:schemeClr>
+          </a:lnRef>
+          <a:fillRef idx="1">
+            <a:schemeClr val="accent5"/>
+          </a:fillRef>
+          <a:effectRef idx="0">
+            <a:schemeClr val="accent5"/>
+          </a:effectRef>
+          <a:fontRef idx="minor">
+            <a:schemeClr val="lt1"/>
+          </a:fontRef>
+        </p:style>
+        <p:txBody>
+          <a:bodyPr rot="0" spcFirstLastPara="0" vertOverflow="overflow" horzOverflow="overflow" vert="horz" wrap="square" lIns="34803" tIns="17402" rIns="34803" bIns="17402" numCol="1" spcCol="0" rtlCol="1" fromWordArt="0" anchor="ctr" anchorCtr="0" forceAA="0" compatLnSpc="1">
+            <a:prstTxWarp prst="textNoShape">
+              <a:avLst/>
+            </a:prstTxWarp>
+            <a:noAutofit/>
+            <a:scene3d>
+              <a:camera prst="orthographicFront"/>
+              <a:lightRig rig="soft" dir="t">
+                <a:rot lat="0" lon="0" rev="15600000"/>
+              </a:lightRig>
+            </a:scene3d>
+            <a:sp3d extrusionH="57150" prstMaterial="softEdge">
+              <a:bevelT w="25400" h="38100"/>
+            </a:sp3d>
+          </a:bodyPr>
+          <a:lstStyle/>
+          <a:p>
+            <a:pPr algn="ctr"/>
+            <a:r>
+              <a:rPr lang="en-US" sz="1675" b="1" dirty="0">
+                <a:ln w="6600">
+                  <a:noFill/>
+                  <a:prstDash val="solid"/>
+                </a:ln>
+                <a:solidFill>
+                  <a:srgbClr val="FFFF00"/>
+                </a:solidFill>
+              </a:rPr>
+              <a:t>STP – DCT</a:t>
+            </a:r>
+          </a:p>
+          <a:p>
+            <a:pPr algn="ctr"/>
+            <a:r>
+              <a:rPr lang="en-US" sz="1675" b="1" dirty="0">
+                <a:ln w="6600">
+                  <a:noFill/>
+                  <a:prstDash val="solid"/>
+                </a:ln>
+                <a:solidFill>
+                  <a:srgbClr val="FFFF00"/>
+                </a:solidFill>
+              </a:rPr>
+              <a:t>(post-</a:t>
+            </a:r>
+            <a:r>
+              <a:rPr lang="en-US" sz="1675" b="1" dirty="0" err="1">
+                <a:ln w="6600">
+                  <a:noFill/>
+                  <a:prstDash val="solid"/>
+                </a:ln>
+                <a:solidFill>
+                  <a:srgbClr val="FFFF00"/>
+                </a:solidFill>
+              </a:rPr>
+              <a:t>interv</a:t>
+            </a:r>
+            <a:r>
+              <a:rPr lang="en-US" sz="1675" b="1" dirty="0">
+                <a:ln w="6600">
+                  <a:noFill/>
+                  <a:prstDash val="solid"/>
+                </a:ln>
+                <a:solidFill>
+                  <a:srgbClr val="FFFF00"/>
+                </a:solidFill>
+              </a:rPr>
+              <a:t>)</a:t>
+            </a:r>
+            <a:endParaRPr lang="he-IL" sz="1675" b="1" dirty="0">
+              <a:ln w="6600">
+                <a:noFill/>
+                <a:prstDash val="solid"/>
+              </a:ln>
+              <a:solidFill>
+                <a:srgbClr val="FFFF00"/>
+              </a:solidFill>
+            </a:endParaRPr>
+          </a:p>
+        </p:txBody>
+      </p:sp>
+      <p:sp>
+        <p:nvSpPr>
+          <p:cNvPr id="44" name="Rectangle 16">
+            <a:extLst>
+              <a:ext uri="{FF2B5EF4-FFF2-40B4-BE49-F238E27FC236}">
+                <a16:creationId xmlns:a16="http://schemas.microsoft.com/office/drawing/2014/main" id="{9257227F-9016-473D-B603-9ABE8BBB7055}"/>
+              </a:ext>
+            </a:extLst>
+          </p:cNvPr>
+          <p:cNvSpPr/>
+          <p:nvPr/>
+        </p:nvSpPr>
+        <p:spPr>
+          <a:xfrm>
+            <a:off x="8368140" y="2827663"/>
+            <a:ext cx="1808452" cy="643069"/>
+          </a:xfrm>
+          <a:prstGeom prst="rect">
+            <a:avLst/>
+          </a:prstGeom>
+        </p:spPr>
+        <p:style>
+          <a:lnRef idx="2">
+            <a:schemeClr val="accent5">
+              <a:shade val="50000"/>
+            </a:schemeClr>
+          </a:lnRef>
+          <a:fillRef idx="1">
+            <a:schemeClr val="accent5"/>
+          </a:fillRef>
+          <a:effectRef idx="0">
+            <a:schemeClr val="accent5"/>
+          </a:effectRef>
+          <a:fontRef idx="minor">
+            <a:schemeClr val="lt1"/>
+          </a:fontRef>
+        </p:style>
+        <p:txBody>
+          <a:bodyPr rot="0" spcFirstLastPara="0" vertOverflow="overflow" horzOverflow="overflow" vert="horz" wrap="square" lIns="34803" tIns="17402" rIns="34803" bIns="17402" numCol="1" spcCol="0" rtlCol="1" fromWordArt="0" anchor="ctr" anchorCtr="0" forceAA="0" compatLnSpc="1">
+            <a:prstTxWarp prst="textNoShape">
+              <a:avLst/>
+            </a:prstTxWarp>
+            <a:noAutofit/>
+            <a:scene3d>
+              <a:camera prst="orthographicFront"/>
+              <a:lightRig rig="soft" dir="t">
+                <a:rot lat="0" lon="0" rev="15600000"/>
+              </a:lightRig>
+            </a:scene3d>
+            <a:sp3d extrusionH="57150" prstMaterial="softEdge">
+              <a:bevelT w="25400" h="38100"/>
+            </a:sp3d>
+          </a:bodyPr>
+          <a:lstStyle/>
+          <a:p>
+            <a:pPr algn="ctr"/>
+            <a:r>
+              <a:rPr lang="en-US" sz="1522" b="1" dirty="0">
+                <a:ln w="6600">
+                  <a:noFill/>
+                  <a:prstDash val="solid"/>
+                </a:ln>
+                <a:solidFill>
+                  <a:srgbClr val="FFFF00"/>
+                </a:solidFill>
+              </a:rPr>
+              <a:t>ONE BACK DICHOTIC</a:t>
+            </a:r>
+          </a:p>
+          <a:p>
+            <a:pPr algn="ctr"/>
+            <a:r>
+              <a:rPr lang="en-US" sz="1522" b="1" dirty="0">
+                <a:ln w="6600">
+                  <a:noFill/>
+                  <a:prstDash val="solid"/>
+                </a:ln>
+                <a:solidFill>
+                  <a:srgbClr val="FFFF00"/>
+                </a:solidFill>
+              </a:rPr>
+              <a:t>STP</a:t>
+            </a:r>
+            <a:endParaRPr lang="he-IL" sz="1522" b="1" dirty="0">
+              <a:ln w="6600">
+                <a:noFill/>
+                <a:prstDash val="solid"/>
+              </a:ln>
+              <a:solidFill>
+                <a:srgbClr val="FFFF00"/>
+              </a:solidFill>
+            </a:endParaRPr>
+          </a:p>
+        </p:txBody>
+      </p:sp>
+      <p:sp>
+        <p:nvSpPr>
+          <p:cNvPr id="45" name="Oval 36">
+            <a:extLst>
+              <a:ext uri="{FF2B5EF4-FFF2-40B4-BE49-F238E27FC236}">
+                <a16:creationId xmlns:a16="http://schemas.microsoft.com/office/drawing/2014/main" id="{A9B8506D-4E2B-43FF-8A25-65B24B40C203}"/>
+              </a:ext>
+            </a:extLst>
+          </p:cNvPr>
+          <p:cNvSpPr/>
+          <p:nvPr/>
+        </p:nvSpPr>
+        <p:spPr>
+          <a:xfrm>
+            <a:off x="10297612" y="2531446"/>
+            <a:ext cx="1808452" cy="1172598"/>
+          </a:xfrm>
+          <a:prstGeom prst="ellipse">
+            <a:avLst/>
+          </a:prstGeom>
+        </p:spPr>
+        <p:style>
+          <a:lnRef idx="2">
+            <a:schemeClr val="accent6">
+              <a:shade val="50000"/>
+            </a:schemeClr>
+          </a:lnRef>
+          <a:fillRef idx="1">
+            <a:schemeClr val="accent6"/>
+          </a:fillRef>
+          <a:effectRef idx="0">
+            <a:schemeClr val="accent6"/>
+          </a:effectRef>
+          <a:fontRef idx="minor">
+            <a:schemeClr val="lt1"/>
+          </a:fontRef>
+        </p:style>
+        <p:txBody>
+          <a:bodyPr rot="0" spcFirstLastPara="0" vertOverflow="overflow" horzOverflow="overflow" vert="horz" wrap="square" lIns="34803" tIns="17402" rIns="34803" bIns="17402" numCol="1" spcCol="0" rtlCol="1" fromWordArt="0" anchor="ctr" anchorCtr="0" forceAA="0" compatLnSpc="1">
+            <a:prstTxWarp prst="textNoShape">
+              <a:avLst/>
+            </a:prstTxWarp>
+            <a:noAutofit/>
+            <a:scene3d>
+              <a:camera prst="orthographicFront"/>
+              <a:lightRig rig="soft" dir="t">
+                <a:rot lat="0" lon="0" rev="15600000"/>
+              </a:lightRig>
+            </a:scene3d>
+            <a:sp3d extrusionH="57150" prstMaterial="softEdge">
+              <a:bevelT w="25400" h="38100"/>
+            </a:sp3d>
+          </a:bodyPr>
+          <a:lstStyle/>
+          <a:p>
+            <a:pPr algn="ctr"/>
+            <a:r>
+              <a:rPr lang="en-US" sz="1827" b="1" dirty="0">
+                <a:ln/>
+                <a:solidFill>
+                  <a:schemeClr val="accent4"/>
+                </a:solidFill>
+                <a:cs typeface="+mj-cs"/>
+              </a:rPr>
+              <a:t>BMM</a:t>
+            </a:r>
+            <a:endParaRPr lang="he-IL" sz="1827" b="1" dirty="0">
+              <a:ln/>
+              <a:solidFill>
+                <a:schemeClr val="accent4"/>
+              </a:solidFill>
+              <a:cs typeface="+mj-cs"/>
+            </a:endParaRPr>
+          </a:p>
+        </p:txBody>
+      </p:sp>
+      <p:cxnSp>
+        <p:nvCxnSpPr>
+          <p:cNvPr id="47" name="Straight Arrow Connector 31">
+            <a:extLst>
+              <a:ext uri="{FF2B5EF4-FFF2-40B4-BE49-F238E27FC236}">
+                <a16:creationId xmlns:a16="http://schemas.microsoft.com/office/drawing/2014/main" id="{8BE78EDC-7360-49CB-8D0B-DDFA76E533CF}"/>
+              </a:ext>
+            </a:extLst>
+          </p:cNvPr>
+          <p:cNvCxnSpPr>
+            <a:cxnSpLocks/>
+          </p:cNvCxnSpPr>
+          <p:nvPr/>
+        </p:nvCxnSpPr>
+        <p:spPr>
+          <a:xfrm>
+            <a:off x="6344175" y="3117745"/>
+            <a:ext cx="220875" cy="0"/>
+          </a:xfrm>
+          <a:prstGeom prst="straightConnector1">
+            <a:avLst/>
+          </a:prstGeom>
+          <a:ln w="57150">
+            <a:tailEnd type="triangle"/>
+          </a:ln>
+        </p:spPr>
+        <p:style>
+          <a:lnRef idx="1">
+            <a:schemeClr val="accent2"/>
+          </a:lnRef>
+          <a:fillRef idx="0">
+            <a:schemeClr val="accent2"/>
+          </a:fillRef>
+          <a:effectRef idx="0">
+            <a:schemeClr val="accent2"/>
+          </a:effectRef>
+          <a:fontRef idx="minor">
+            <a:schemeClr val="tx1"/>
+          </a:fontRef>
+        </p:style>
+      </p:cxnSp>
+      <p:sp>
+        <p:nvSpPr>
+          <p:cNvPr id="49" name="Rectangle 3">
+            <a:extLst>
+              <a:ext uri="{FF2B5EF4-FFF2-40B4-BE49-F238E27FC236}">
+                <a16:creationId xmlns:a16="http://schemas.microsoft.com/office/drawing/2014/main" id="{C46167CA-CA5B-4A7F-BF78-D79E182D5C70}"/>
+              </a:ext>
+            </a:extLst>
+          </p:cNvPr>
+          <p:cNvSpPr/>
+          <p:nvPr/>
+        </p:nvSpPr>
+        <p:spPr>
+          <a:xfrm>
+            <a:off x="6471552" y="4866647"/>
+            <a:ext cx="1808452" cy="643069"/>
+          </a:xfrm>
+          <a:prstGeom prst="rect">
+            <a:avLst/>
+          </a:prstGeom>
+        </p:spPr>
+        <p:style>
+          <a:lnRef idx="2">
+            <a:schemeClr val="accent5">
+              <a:shade val="50000"/>
+            </a:schemeClr>
+          </a:lnRef>
+          <a:fillRef idx="1">
+            <a:schemeClr val="accent5"/>
+          </a:fillRef>
+          <a:effectRef idx="0">
+            <a:schemeClr val="accent5"/>
+          </a:effectRef>
+          <a:fontRef idx="minor">
+            <a:schemeClr val="lt1"/>
+          </a:fontRef>
+        </p:style>
+        <p:txBody>
+          <a:bodyPr rot="0" spcFirstLastPara="0" vertOverflow="overflow" horzOverflow="overflow" vert="horz" wrap="square" lIns="34803" tIns="17402" rIns="34803" bIns="17402" numCol="1" spcCol="0" rtlCol="1" fromWordArt="0" anchor="ctr" anchorCtr="0" forceAA="0" compatLnSpc="1">
+            <a:prstTxWarp prst="textNoShape">
+              <a:avLst/>
+            </a:prstTxWarp>
+            <a:noAutofit/>
+            <a:scene3d>
+              <a:camera prst="orthographicFront"/>
+              <a:lightRig rig="soft" dir="t">
+                <a:rot lat="0" lon="0" rev="15600000"/>
+              </a:lightRig>
+            </a:scene3d>
+            <a:sp3d extrusionH="57150" prstMaterial="softEdge">
+              <a:bevelT w="25400" h="38100"/>
+            </a:sp3d>
+          </a:bodyPr>
+          <a:lstStyle/>
+          <a:p>
+            <a:pPr algn="ctr"/>
+            <a:r>
+              <a:rPr lang="en-US" sz="1675" b="1" dirty="0">
+                <a:ln w="6600">
+                  <a:noFill/>
+                  <a:prstDash val="solid"/>
+                </a:ln>
+                <a:solidFill>
+                  <a:srgbClr val="FFFF00"/>
+                </a:solidFill>
+              </a:rPr>
+              <a:t>STP – MAB</a:t>
+            </a:r>
+          </a:p>
+        </p:txBody>
+      </p:sp>
+      <p:sp>
+        <p:nvSpPr>
+          <p:cNvPr id="50" name="Rectangle 5">
+            <a:extLst>
+              <a:ext uri="{FF2B5EF4-FFF2-40B4-BE49-F238E27FC236}">
+                <a16:creationId xmlns:a16="http://schemas.microsoft.com/office/drawing/2014/main" id="{595818DC-58FE-4F09-8460-759208BD9ADA}"/>
+              </a:ext>
+            </a:extLst>
+          </p:cNvPr>
+          <p:cNvSpPr/>
+          <p:nvPr/>
+        </p:nvSpPr>
+        <p:spPr>
+          <a:xfrm>
+            <a:off x="2596567" y="4464065"/>
+            <a:ext cx="1808452" cy="643069"/>
+          </a:xfrm>
+          <a:prstGeom prst="rect">
+            <a:avLst/>
+          </a:prstGeom>
+          <a:solidFill>
+            <a:schemeClr val="accent1">
+              <a:lumMod val="50000"/>
+            </a:schemeClr>
+          </a:solidFill>
+        </p:spPr>
+        <p:style>
+          <a:lnRef idx="2">
+            <a:schemeClr val="accent5">
+              <a:shade val="50000"/>
+            </a:schemeClr>
+          </a:lnRef>
+          <a:fillRef idx="1">
+            <a:schemeClr val="accent5"/>
+          </a:fillRef>
+          <a:effectRef idx="0">
+            <a:schemeClr val="accent5"/>
+          </a:effectRef>
+          <a:fontRef idx="minor">
+            <a:schemeClr val="lt1"/>
+          </a:fontRef>
+        </p:style>
+        <p:txBody>
+          <a:bodyPr rot="0" spcFirstLastPara="0" vertOverflow="overflow" horzOverflow="overflow" vert="horz" wrap="square" lIns="34803" tIns="17402" rIns="34803" bIns="17402" numCol="1" spcCol="0" rtlCol="1" fromWordArt="0" anchor="ctr" anchorCtr="0" forceAA="0" compatLnSpc="1">
+            <a:prstTxWarp prst="textNoShape">
+              <a:avLst/>
+            </a:prstTxWarp>
+            <a:noAutofit/>
+            <a:scene3d>
+              <a:camera prst="orthographicFront"/>
+              <a:lightRig rig="soft" dir="t">
+                <a:rot lat="0" lon="0" rev="15600000"/>
+              </a:lightRig>
+            </a:scene3d>
+            <a:sp3d extrusionH="57150" prstMaterial="softEdge">
+              <a:bevelT w="25400" h="38100"/>
+            </a:sp3d>
+          </a:bodyPr>
+          <a:lstStyle/>
+          <a:p>
+            <a:pPr algn="ctr"/>
+            <a:r>
+              <a:rPr lang="en-US" sz="1675" b="1" dirty="0">
+                <a:ln w="6600">
+                  <a:noFill/>
+                  <a:prstDash val="solid"/>
+                </a:ln>
+                <a:solidFill>
+                  <a:srgbClr val="FFFF00"/>
+                </a:solidFill>
+              </a:rPr>
+              <a:t>STP - DCT</a:t>
+            </a:r>
+          </a:p>
+          <a:p>
+            <a:pPr algn="ctr"/>
+            <a:r>
+              <a:rPr lang="en-US" sz="1675" b="1" dirty="0">
+                <a:ln w="6600">
+                  <a:noFill/>
+                  <a:prstDash val="solid"/>
+                </a:ln>
+                <a:solidFill>
+                  <a:srgbClr val="FFFF00"/>
+                </a:solidFill>
+              </a:rPr>
+              <a:t>(Baseline of bias)</a:t>
+            </a:r>
+            <a:endParaRPr lang="he-IL" sz="1675" b="1" dirty="0">
+              <a:ln w="6600">
+                <a:noFill/>
+                <a:prstDash val="solid"/>
+              </a:ln>
+              <a:solidFill>
+                <a:srgbClr val="FFFF00"/>
+              </a:solidFill>
+            </a:endParaRPr>
+          </a:p>
+        </p:txBody>
+      </p:sp>
+      <p:sp>
+        <p:nvSpPr>
+          <p:cNvPr id="52" name="Rectangle 11">
+            <a:extLst>
+              <a:ext uri="{FF2B5EF4-FFF2-40B4-BE49-F238E27FC236}">
+                <a16:creationId xmlns:a16="http://schemas.microsoft.com/office/drawing/2014/main" id="{E1655937-D9C5-41CC-9D38-B4E8BB5EA836}"/>
+              </a:ext>
+            </a:extLst>
+          </p:cNvPr>
+          <p:cNvSpPr/>
+          <p:nvPr/>
+        </p:nvSpPr>
+        <p:spPr>
+          <a:xfrm>
+            <a:off x="4552229" y="4464065"/>
+            <a:ext cx="1808452" cy="643069"/>
+          </a:xfrm>
+          <a:prstGeom prst="rect">
+            <a:avLst/>
+          </a:prstGeom>
+          <a:solidFill>
+            <a:schemeClr val="accent1">
+              <a:lumMod val="50000"/>
+            </a:schemeClr>
+          </a:solidFill>
+        </p:spPr>
+        <p:style>
+          <a:lnRef idx="2">
+            <a:schemeClr val="accent5">
+              <a:shade val="50000"/>
+            </a:schemeClr>
+          </a:lnRef>
+          <a:fillRef idx="1">
+            <a:schemeClr val="accent5"/>
+          </a:fillRef>
+          <a:effectRef idx="0">
+            <a:schemeClr val="accent5"/>
+          </a:effectRef>
+          <a:fontRef idx="minor">
+            <a:schemeClr val="lt1"/>
+          </a:fontRef>
+        </p:style>
+        <p:txBody>
+          <a:bodyPr rot="0" spcFirstLastPara="0" vertOverflow="overflow" horzOverflow="overflow" vert="horz" wrap="square" lIns="34803" tIns="17402" rIns="34803" bIns="17402" numCol="1" spcCol="0" rtlCol="1" fromWordArt="0" anchor="ctr" anchorCtr="0" forceAA="0" compatLnSpc="1">
+            <a:prstTxWarp prst="textNoShape">
+              <a:avLst/>
+            </a:prstTxWarp>
+            <a:noAutofit/>
+            <a:scene3d>
+              <a:camera prst="orthographicFront"/>
+              <a:lightRig rig="soft" dir="t">
+                <a:rot lat="0" lon="0" rev="15600000"/>
+              </a:lightRig>
+            </a:scene3d>
+            <a:sp3d extrusionH="57150" prstMaterial="softEdge">
+              <a:bevelT w="25400" h="38100"/>
+            </a:sp3d>
+          </a:bodyPr>
+          <a:lstStyle/>
+          <a:p>
+            <a:pPr algn="ctr"/>
+            <a:r>
+              <a:rPr lang="en-US" sz="1675" b="1" dirty="0">
+                <a:ln w="6600">
+                  <a:noFill/>
+                  <a:prstDash val="solid"/>
+                </a:ln>
+                <a:solidFill>
+                  <a:srgbClr val="FFFF00"/>
+                </a:solidFill>
+              </a:rPr>
+              <a:t>STP-DCT</a:t>
+            </a:r>
+          </a:p>
+          <a:p>
+            <a:pPr algn="ctr"/>
+            <a:r>
+              <a:rPr lang="en-US" sz="1675" b="1" dirty="0">
+                <a:ln w="6600">
+                  <a:noFill/>
+                  <a:prstDash val="solid"/>
+                </a:ln>
+                <a:solidFill>
+                  <a:srgbClr val="FFFF00"/>
+                </a:solidFill>
+              </a:rPr>
+              <a:t>(placebo)</a:t>
+            </a:r>
+            <a:endParaRPr lang="he-IL" sz="1675" b="1" dirty="0">
+              <a:ln w="6600">
+                <a:noFill/>
+                <a:prstDash val="solid"/>
+              </a:ln>
+              <a:solidFill>
+                <a:srgbClr val="FFFF00"/>
+              </a:solidFill>
+            </a:endParaRPr>
+          </a:p>
+        </p:txBody>
+      </p:sp>
+      <p:sp>
+        <p:nvSpPr>
+          <p:cNvPr id="53" name="Rectangle 14">
+            <a:extLst>
+              <a:ext uri="{FF2B5EF4-FFF2-40B4-BE49-F238E27FC236}">
+                <a16:creationId xmlns:a16="http://schemas.microsoft.com/office/drawing/2014/main" id="{9B1F5461-C006-4C74-8978-907718457A22}"/>
+              </a:ext>
+            </a:extLst>
+          </p:cNvPr>
+          <p:cNvSpPr/>
+          <p:nvPr/>
+        </p:nvSpPr>
+        <p:spPr>
+          <a:xfrm>
+            <a:off x="6484044" y="4048343"/>
+            <a:ext cx="1808452" cy="643069"/>
+          </a:xfrm>
+          <a:prstGeom prst="rect">
+            <a:avLst/>
+          </a:prstGeom>
+        </p:spPr>
+        <p:style>
+          <a:lnRef idx="2">
+            <a:schemeClr val="accent5">
+              <a:shade val="50000"/>
+            </a:schemeClr>
+          </a:lnRef>
+          <a:fillRef idx="1">
+            <a:schemeClr val="accent5"/>
+          </a:fillRef>
+          <a:effectRef idx="0">
+            <a:schemeClr val="accent5"/>
+          </a:effectRef>
+          <a:fontRef idx="minor">
+            <a:schemeClr val="lt1"/>
+          </a:fontRef>
+        </p:style>
+        <p:txBody>
+          <a:bodyPr rot="0" spcFirstLastPara="0" vertOverflow="overflow" horzOverflow="overflow" vert="horz" wrap="square" lIns="34803" tIns="17402" rIns="34803" bIns="17402" numCol="1" spcCol="0" rtlCol="1" fromWordArt="0" anchor="ctr" anchorCtr="0" forceAA="0" compatLnSpc="1">
+            <a:prstTxWarp prst="textNoShape">
+              <a:avLst/>
+            </a:prstTxWarp>
+            <a:noAutofit/>
+            <a:scene3d>
+              <a:camera prst="orthographicFront"/>
+              <a:lightRig rig="soft" dir="t">
+                <a:rot lat="0" lon="0" rev="15600000"/>
+              </a:lightRig>
+            </a:scene3d>
+            <a:sp3d extrusionH="57150" prstMaterial="softEdge">
+              <a:bevelT w="25400" h="38100"/>
+            </a:sp3d>
+          </a:bodyPr>
+          <a:lstStyle/>
+          <a:p>
+            <a:pPr algn="ctr"/>
+            <a:r>
+              <a:rPr lang="en-US" sz="1675" b="1" dirty="0">
+                <a:ln w="6600">
+                  <a:noFill/>
+                  <a:prstDash val="solid"/>
+                </a:ln>
+                <a:solidFill>
+                  <a:srgbClr val="FFFF00"/>
+                </a:solidFill>
+              </a:rPr>
+              <a:t>STP – DCT</a:t>
+            </a:r>
+          </a:p>
+          <a:p>
+            <a:pPr algn="ctr"/>
+            <a:r>
+              <a:rPr lang="en-US" sz="1675" b="1" dirty="0">
+                <a:ln w="6600">
+                  <a:noFill/>
+                  <a:prstDash val="solid"/>
+                </a:ln>
+                <a:solidFill>
+                  <a:srgbClr val="FFFF00"/>
+                </a:solidFill>
+              </a:rPr>
+              <a:t>(post-</a:t>
+            </a:r>
+            <a:r>
+              <a:rPr lang="en-US" sz="1675" b="1" dirty="0" err="1">
+                <a:ln w="6600">
+                  <a:noFill/>
+                  <a:prstDash val="solid"/>
+                </a:ln>
+                <a:solidFill>
+                  <a:srgbClr val="FFFF00"/>
+                </a:solidFill>
+              </a:rPr>
+              <a:t>interv</a:t>
+            </a:r>
+            <a:r>
+              <a:rPr lang="en-US" sz="1675" b="1" dirty="0">
+                <a:ln w="6600">
+                  <a:noFill/>
+                  <a:prstDash val="solid"/>
+                </a:ln>
+                <a:solidFill>
+                  <a:srgbClr val="FFFF00"/>
+                </a:solidFill>
+              </a:rPr>
+              <a:t>)</a:t>
+            </a:r>
+            <a:endParaRPr lang="he-IL" sz="1675" b="1" dirty="0">
+              <a:ln w="6600">
+                <a:noFill/>
+                <a:prstDash val="solid"/>
+              </a:ln>
+              <a:solidFill>
+                <a:srgbClr val="FFFF00"/>
+              </a:solidFill>
+            </a:endParaRPr>
+          </a:p>
+        </p:txBody>
+      </p:sp>
+      <p:sp>
+        <p:nvSpPr>
+          <p:cNvPr id="54" name="Rectangle 16">
+            <a:extLst>
+              <a:ext uri="{FF2B5EF4-FFF2-40B4-BE49-F238E27FC236}">
+                <a16:creationId xmlns:a16="http://schemas.microsoft.com/office/drawing/2014/main" id="{8FDC82C2-2E13-4277-8A43-5AC7B98140BB}"/>
+              </a:ext>
+            </a:extLst>
+          </p:cNvPr>
+          <p:cNvSpPr/>
+          <p:nvPr/>
+        </p:nvSpPr>
+        <p:spPr>
+          <a:xfrm>
+            <a:off x="8399515" y="4545113"/>
+            <a:ext cx="1808452" cy="643069"/>
+          </a:xfrm>
+          <a:prstGeom prst="rect">
+            <a:avLst/>
+          </a:prstGeom>
+        </p:spPr>
+        <p:style>
+          <a:lnRef idx="2">
+            <a:schemeClr val="accent5">
+              <a:shade val="50000"/>
+            </a:schemeClr>
+          </a:lnRef>
+          <a:fillRef idx="1">
+            <a:schemeClr val="accent5"/>
+          </a:fillRef>
+          <a:effectRef idx="0">
+            <a:schemeClr val="accent5"/>
+          </a:effectRef>
+          <a:fontRef idx="minor">
+            <a:schemeClr val="lt1"/>
+          </a:fontRef>
+        </p:style>
+        <p:txBody>
+          <a:bodyPr rot="0" spcFirstLastPara="0" vertOverflow="overflow" horzOverflow="overflow" vert="horz" wrap="square" lIns="34803" tIns="17402" rIns="34803" bIns="17402" numCol="1" spcCol="0" rtlCol="1" fromWordArt="0" anchor="ctr" anchorCtr="0" forceAA="0" compatLnSpc="1">
+            <a:prstTxWarp prst="textNoShape">
+              <a:avLst/>
+            </a:prstTxWarp>
+            <a:noAutofit/>
+            <a:scene3d>
+              <a:camera prst="orthographicFront"/>
+              <a:lightRig rig="soft" dir="t">
+                <a:rot lat="0" lon="0" rev="15600000"/>
+              </a:lightRig>
+            </a:scene3d>
+            <a:sp3d extrusionH="57150" prstMaterial="softEdge">
+              <a:bevelT w="25400" h="38100"/>
+            </a:sp3d>
+          </a:bodyPr>
+          <a:lstStyle/>
+          <a:p>
+            <a:pPr algn="ctr"/>
+            <a:r>
+              <a:rPr lang="en-US" sz="1522" b="1" dirty="0">
+                <a:ln w="6600">
+                  <a:noFill/>
+                  <a:prstDash val="solid"/>
+                </a:ln>
+                <a:solidFill>
+                  <a:srgbClr val="FFFF00"/>
+                </a:solidFill>
+              </a:rPr>
+              <a:t>ONE BACK DICHOTIC</a:t>
+            </a:r>
+          </a:p>
+          <a:p>
+            <a:pPr algn="ctr"/>
+            <a:r>
+              <a:rPr lang="en-US" sz="1522" b="1" dirty="0">
+                <a:ln w="6600">
+                  <a:noFill/>
+                  <a:prstDash val="solid"/>
+                </a:ln>
+                <a:solidFill>
+                  <a:srgbClr val="FFFF00"/>
+                </a:solidFill>
+              </a:rPr>
+              <a:t>STP</a:t>
+            </a:r>
+            <a:endParaRPr lang="he-IL" sz="1522" b="1" dirty="0">
+              <a:ln w="6600">
+                <a:noFill/>
+                <a:prstDash val="solid"/>
+              </a:ln>
+              <a:solidFill>
+                <a:srgbClr val="FFFF00"/>
+              </a:solidFill>
+            </a:endParaRPr>
+          </a:p>
+        </p:txBody>
+      </p:sp>
+      <p:sp>
+        <p:nvSpPr>
+          <p:cNvPr id="55" name="Oval 36">
+            <a:extLst>
+              <a:ext uri="{FF2B5EF4-FFF2-40B4-BE49-F238E27FC236}">
+                <a16:creationId xmlns:a16="http://schemas.microsoft.com/office/drawing/2014/main" id="{29B427A7-8E54-48B5-9115-3E44EE26F7CF}"/>
+              </a:ext>
+            </a:extLst>
+          </p:cNvPr>
+          <p:cNvSpPr/>
+          <p:nvPr/>
+        </p:nvSpPr>
+        <p:spPr>
+          <a:xfrm>
+            <a:off x="10314985" y="4305185"/>
+            <a:ext cx="1808452" cy="1172598"/>
+          </a:xfrm>
+          <a:prstGeom prst="ellipse">
+            <a:avLst/>
+          </a:prstGeom>
+        </p:spPr>
+        <p:style>
+          <a:lnRef idx="2">
+            <a:schemeClr val="accent6">
+              <a:shade val="50000"/>
+            </a:schemeClr>
+          </a:lnRef>
+          <a:fillRef idx="1">
+            <a:schemeClr val="accent6"/>
+          </a:fillRef>
+          <a:effectRef idx="0">
+            <a:schemeClr val="accent6"/>
+          </a:effectRef>
+          <a:fontRef idx="minor">
+            <a:schemeClr val="lt1"/>
+          </a:fontRef>
+        </p:style>
+        <p:txBody>
+          <a:bodyPr rot="0" spcFirstLastPara="0" vertOverflow="overflow" horzOverflow="overflow" vert="horz" wrap="square" lIns="34803" tIns="17402" rIns="34803" bIns="17402" numCol="1" spcCol="0" rtlCol="1" fromWordArt="0" anchor="ctr" anchorCtr="0" forceAA="0" compatLnSpc="1">
+            <a:prstTxWarp prst="textNoShape">
+              <a:avLst/>
+            </a:prstTxWarp>
+            <a:noAutofit/>
+            <a:scene3d>
+              <a:camera prst="orthographicFront"/>
+              <a:lightRig rig="soft" dir="t">
+                <a:rot lat="0" lon="0" rev="15600000"/>
+              </a:lightRig>
+            </a:scene3d>
+            <a:sp3d extrusionH="57150" prstMaterial="softEdge">
+              <a:bevelT w="25400" h="38100"/>
+            </a:sp3d>
+          </a:bodyPr>
+          <a:lstStyle/>
+          <a:p>
+            <a:pPr algn="ctr"/>
+            <a:r>
+              <a:rPr lang="en-US" sz="1827" b="1" dirty="0">
+                <a:ln/>
+                <a:solidFill>
+                  <a:schemeClr val="accent4"/>
+                </a:solidFill>
+                <a:cs typeface="+mj-cs"/>
+              </a:rPr>
+              <a:t>PLACEBO</a:t>
+            </a:r>
+            <a:endParaRPr lang="he-IL" sz="1827" b="1" dirty="0">
+              <a:ln/>
+              <a:solidFill>
+                <a:schemeClr val="accent4"/>
+              </a:solidFill>
+              <a:cs typeface="+mj-cs"/>
+            </a:endParaRPr>
+          </a:p>
+        </p:txBody>
+      </p:sp>
+      <p:cxnSp>
+        <p:nvCxnSpPr>
+          <p:cNvPr id="74" name="Straight Arrow Connector 31">
+            <a:extLst>
+              <a:ext uri="{FF2B5EF4-FFF2-40B4-BE49-F238E27FC236}">
+                <a16:creationId xmlns:a16="http://schemas.microsoft.com/office/drawing/2014/main" id="{6F061B2C-E73B-4EC2-BECE-A2518E3B13BE}"/>
+              </a:ext>
+            </a:extLst>
+          </p:cNvPr>
+          <p:cNvCxnSpPr>
+            <a:cxnSpLocks/>
+          </p:cNvCxnSpPr>
+          <p:nvPr/>
+        </p:nvCxnSpPr>
+        <p:spPr>
+          <a:xfrm>
+            <a:off x="4391542" y="3034941"/>
+            <a:ext cx="149541" cy="0"/>
+          </a:xfrm>
+          <a:prstGeom prst="straightConnector1">
+            <a:avLst/>
+          </a:prstGeom>
+          <a:ln w="57150">
+            <a:tailEnd type="triangle"/>
+          </a:ln>
+        </p:spPr>
+        <p:style>
+          <a:lnRef idx="1">
+            <a:schemeClr val="accent2"/>
+          </a:lnRef>
+          <a:fillRef idx="0">
+            <a:schemeClr val="accent2"/>
+          </a:fillRef>
+          <a:effectRef idx="0">
+            <a:schemeClr val="accent2"/>
+          </a:effectRef>
+          <a:fontRef idx="minor">
+            <a:schemeClr val="tx1"/>
+          </a:fontRef>
+        </p:style>
+      </p:cxnSp>
+      <p:cxnSp>
+        <p:nvCxnSpPr>
+          <p:cNvPr id="75" name="Straight Arrow Connector 31">
+            <a:extLst>
+              <a:ext uri="{FF2B5EF4-FFF2-40B4-BE49-F238E27FC236}">
+                <a16:creationId xmlns:a16="http://schemas.microsoft.com/office/drawing/2014/main" id="{8E9D4797-B4F6-4985-89EC-4D87E0120DC7}"/>
+              </a:ext>
+            </a:extLst>
+          </p:cNvPr>
+          <p:cNvCxnSpPr>
+            <a:cxnSpLocks/>
+          </p:cNvCxnSpPr>
+          <p:nvPr/>
+        </p:nvCxnSpPr>
+        <p:spPr>
+          <a:xfrm>
+            <a:off x="4408916" y="4786022"/>
+            <a:ext cx="149541" cy="0"/>
+          </a:xfrm>
+          <a:prstGeom prst="straightConnector1">
+            <a:avLst/>
+          </a:prstGeom>
+          <a:ln w="57150">
+            <a:tailEnd type="triangle"/>
+          </a:ln>
+        </p:spPr>
+        <p:style>
+          <a:lnRef idx="1">
+            <a:schemeClr val="accent2"/>
+          </a:lnRef>
+          <a:fillRef idx="0">
+            <a:schemeClr val="accent2"/>
+          </a:fillRef>
+          <a:effectRef idx="0">
+            <a:schemeClr val="accent2"/>
+          </a:effectRef>
+          <a:fontRef idx="minor">
+            <a:schemeClr val="tx1"/>
+          </a:fontRef>
+        </p:style>
+      </p:cxnSp>
+      <p:cxnSp>
+        <p:nvCxnSpPr>
+          <p:cNvPr id="79" name="Straight Arrow Connector 31">
+            <a:extLst>
+              <a:ext uri="{FF2B5EF4-FFF2-40B4-BE49-F238E27FC236}">
+                <a16:creationId xmlns:a16="http://schemas.microsoft.com/office/drawing/2014/main" id="{35F11662-24BD-478B-BEC0-6FEF1A882F00}"/>
+              </a:ext>
+            </a:extLst>
+          </p:cNvPr>
+          <p:cNvCxnSpPr>
+            <a:cxnSpLocks/>
+          </p:cNvCxnSpPr>
+          <p:nvPr/>
+        </p:nvCxnSpPr>
+        <p:spPr>
+          <a:xfrm>
+            <a:off x="6377132" y="4797756"/>
+            <a:ext cx="220875" cy="0"/>
+          </a:xfrm>
+          <a:prstGeom prst="straightConnector1">
+            <a:avLst/>
+          </a:prstGeom>
+          <a:ln w="57150">
+            <a:tailEnd type="triangle"/>
+          </a:ln>
+        </p:spPr>
+        <p:style>
+          <a:lnRef idx="1">
+            <a:schemeClr val="accent2"/>
+          </a:lnRef>
+          <a:fillRef idx="0">
+            <a:schemeClr val="accent2"/>
+          </a:fillRef>
+          <a:effectRef idx="0">
+            <a:schemeClr val="accent2"/>
+          </a:effectRef>
+          <a:fontRef idx="minor">
+            <a:schemeClr val="tx1"/>
+          </a:fontRef>
+        </p:style>
+      </p:cxnSp>
+      <p:cxnSp>
+        <p:nvCxnSpPr>
+          <p:cNvPr id="80" name="Straight Arrow Connector 31">
+            <a:extLst>
+              <a:ext uri="{FF2B5EF4-FFF2-40B4-BE49-F238E27FC236}">
+                <a16:creationId xmlns:a16="http://schemas.microsoft.com/office/drawing/2014/main" id="{AFA2848B-0B64-4043-BE66-8503BAC281C3}"/>
+              </a:ext>
+            </a:extLst>
+          </p:cNvPr>
+          <p:cNvCxnSpPr>
+            <a:cxnSpLocks/>
+          </p:cNvCxnSpPr>
+          <p:nvPr/>
+        </p:nvCxnSpPr>
+        <p:spPr>
+          <a:xfrm>
+            <a:off x="8148448" y="3117745"/>
+            <a:ext cx="220875" cy="0"/>
+          </a:xfrm>
+          <a:prstGeom prst="straightConnector1">
+            <a:avLst/>
+          </a:prstGeom>
+          <a:ln w="57150">
+            <a:tailEnd type="triangle"/>
+          </a:ln>
+        </p:spPr>
+        <p:style>
+          <a:lnRef idx="1">
+            <a:schemeClr val="accent2"/>
+          </a:lnRef>
+          <a:fillRef idx="0">
+            <a:schemeClr val="accent2"/>
+          </a:fillRef>
+          <a:effectRef idx="0">
+            <a:schemeClr val="accent2"/>
+          </a:effectRef>
+          <a:fontRef idx="minor">
+            <a:schemeClr val="tx1"/>
+          </a:fontRef>
+        </p:style>
+      </p:cxnSp>
+      <p:cxnSp>
+        <p:nvCxnSpPr>
+          <p:cNvPr id="81" name="Straight Arrow Connector 31">
+            <a:extLst>
+              <a:ext uri="{FF2B5EF4-FFF2-40B4-BE49-F238E27FC236}">
+                <a16:creationId xmlns:a16="http://schemas.microsoft.com/office/drawing/2014/main" id="{F68D00FB-AC82-465A-BC8E-384227116A18}"/>
+              </a:ext>
+            </a:extLst>
+          </p:cNvPr>
+          <p:cNvCxnSpPr>
+            <a:cxnSpLocks/>
+          </p:cNvCxnSpPr>
+          <p:nvPr/>
+        </p:nvCxnSpPr>
+        <p:spPr>
+          <a:xfrm>
+            <a:off x="8189683" y="1401728"/>
+            <a:ext cx="220875" cy="0"/>
+          </a:xfrm>
+          <a:prstGeom prst="straightConnector1">
+            <a:avLst/>
+          </a:prstGeom>
+          <a:ln w="57150">
+            <a:tailEnd type="triangle"/>
+          </a:ln>
+        </p:spPr>
+        <p:style>
+          <a:lnRef idx="1">
+            <a:schemeClr val="accent2"/>
+          </a:lnRef>
+          <a:fillRef idx="0">
+            <a:schemeClr val="accent2"/>
+          </a:fillRef>
+          <a:effectRef idx="0">
+            <a:schemeClr val="accent2"/>
+          </a:effectRef>
+          <a:fontRef idx="minor">
+            <a:schemeClr val="tx1"/>
+          </a:fontRef>
+        </p:style>
+      </p:cxnSp>
+      <p:cxnSp>
+        <p:nvCxnSpPr>
+          <p:cNvPr id="84" name="Straight Arrow Connector 31">
+            <a:extLst>
+              <a:ext uri="{FF2B5EF4-FFF2-40B4-BE49-F238E27FC236}">
+                <a16:creationId xmlns:a16="http://schemas.microsoft.com/office/drawing/2014/main" id="{1CBA05B1-BAF9-4BC4-AA2B-912252728D0B}"/>
+              </a:ext>
+            </a:extLst>
+          </p:cNvPr>
+          <p:cNvCxnSpPr>
+            <a:cxnSpLocks/>
+          </p:cNvCxnSpPr>
+          <p:nvPr/>
+        </p:nvCxnSpPr>
+        <p:spPr>
+          <a:xfrm>
+            <a:off x="8178640" y="4797756"/>
+            <a:ext cx="220875" cy="0"/>
+          </a:xfrm>
+          <a:prstGeom prst="straightConnector1">
+            <a:avLst/>
+          </a:prstGeom>
+          <a:ln w="57150">
+            <a:tailEnd type="triangle"/>
+          </a:ln>
+        </p:spPr>
+        <p:style>
+          <a:lnRef idx="1">
+            <a:schemeClr val="accent2"/>
+          </a:lnRef>
+          <a:fillRef idx="0">
+            <a:schemeClr val="accent2"/>
+          </a:fillRef>
+          <a:effectRef idx="0">
+            <a:schemeClr val="accent2"/>
+          </a:effectRef>
+          <a:fontRef idx="minor">
+            <a:schemeClr val="tx1"/>
+          </a:fontRef>
+        </p:style>
+      </p:cxnSp>
+      <p:sp>
+        <p:nvSpPr>
+          <p:cNvPr id="85" name="Rectangle 8">
+            <a:extLst>
+              <a:ext uri="{FF2B5EF4-FFF2-40B4-BE49-F238E27FC236}">
+                <a16:creationId xmlns:a16="http://schemas.microsoft.com/office/drawing/2014/main" id="{733760E2-749D-4940-8FA1-B7B27CA6333A}"/>
+              </a:ext>
+            </a:extLst>
+          </p:cNvPr>
+          <p:cNvSpPr/>
+          <p:nvPr/>
+        </p:nvSpPr>
+        <p:spPr>
+          <a:xfrm>
+            <a:off x="400820" y="555374"/>
+            <a:ext cx="1808452" cy="203227"/>
+          </a:xfrm>
+          <a:prstGeom prst="rect">
+            <a:avLst/>
+          </a:prstGeom>
+          <a:solidFill>
+            <a:schemeClr val="accent5">
+              <a:lumMod val="20000"/>
+              <a:lumOff val="80000"/>
+            </a:schemeClr>
+          </a:solidFill>
+        </p:spPr>
+        <p:style>
+          <a:lnRef idx="2">
+            <a:schemeClr val="accent5">
+              <a:shade val="50000"/>
+            </a:schemeClr>
+          </a:lnRef>
+          <a:fillRef idx="1">
+            <a:schemeClr val="accent5"/>
+          </a:fillRef>
+          <a:effectRef idx="0">
+            <a:schemeClr val="accent5"/>
+          </a:effectRef>
+          <a:fontRef idx="minor">
+            <a:schemeClr val="lt1"/>
+          </a:fontRef>
+        </p:style>
+        <p:txBody>
+          <a:bodyPr rot="0" spcFirstLastPara="0" vertOverflow="overflow" horzOverflow="overflow" vert="horz" wrap="square" lIns="34803" tIns="17402" rIns="34803" bIns="17402" numCol="1" spcCol="0" rtlCol="1" fromWordArt="0" anchor="ctr" anchorCtr="0" forceAA="0" compatLnSpc="1">
+            <a:prstTxWarp prst="textNoShape">
+              <a:avLst/>
+            </a:prstTxWarp>
+            <a:noAutofit/>
+            <a:scene3d>
+              <a:camera prst="orthographicFront"/>
+              <a:lightRig rig="soft" dir="t">
+                <a:rot lat="0" lon="0" rev="15600000"/>
+              </a:lightRig>
+            </a:scene3d>
+            <a:sp3d extrusionH="57150" prstMaterial="softEdge">
+              <a:bevelT w="25400" h="38100"/>
+            </a:sp3d>
+          </a:bodyPr>
+          <a:lstStyle/>
+          <a:p>
+            <a:pPr algn="ctr"/>
+            <a:r>
+              <a:rPr lang="en-US" sz="1675" b="1" dirty="0">
+                <a:ln w="6600">
+                  <a:noFill/>
+                  <a:prstDash val="solid"/>
+                </a:ln>
+                <a:solidFill>
+                  <a:srgbClr val="FFFF00"/>
+                </a:solidFill>
+              </a:rPr>
+              <a:t>Home</a:t>
+            </a:r>
+            <a:endParaRPr lang="he-IL" sz="1675" b="1" dirty="0">
+              <a:ln w="6600">
+                <a:noFill/>
+                <a:prstDash val="solid"/>
+              </a:ln>
+              <a:solidFill>
+                <a:srgbClr val="FFFF00"/>
+              </a:solidFill>
+            </a:endParaRPr>
+          </a:p>
+        </p:txBody>
+      </p:sp>
+      <p:sp>
+        <p:nvSpPr>
+          <p:cNvPr id="41" name="משושה 40">
+            <a:extLst>
+              <a:ext uri="{FF2B5EF4-FFF2-40B4-BE49-F238E27FC236}">
+                <a16:creationId xmlns:a16="http://schemas.microsoft.com/office/drawing/2014/main" id="{CE67D8DE-D3C5-4897-9316-1079FAC65E28}"/>
+              </a:ext>
+            </a:extLst>
+          </p:cNvPr>
+          <p:cNvSpPr/>
+          <p:nvPr/>
+        </p:nvSpPr>
+        <p:spPr>
+          <a:xfrm>
+            <a:off x="1038357" y="5177502"/>
+            <a:ext cx="1864837" cy="1477522"/>
+          </a:xfrm>
+          <a:prstGeom prst="hexagon">
+            <a:avLst/>
+          </a:prstGeom>
+          <a:solidFill>
+            <a:srgbClr val="5B9BD5"/>
+          </a:solidFill>
+        </p:spPr>
+        <p:style>
+          <a:lnRef idx="2">
+            <a:schemeClr val="accent1">
+              <a:shade val="50000"/>
+            </a:schemeClr>
+          </a:lnRef>
+          <a:fillRef idx="1">
+            <a:schemeClr val="accent1"/>
+          </a:fillRef>
+          <a:effectRef idx="0">
+            <a:schemeClr val="accent1"/>
+          </a:effectRef>
+          <a:fontRef idx="minor">
+            <a:schemeClr val="lt1"/>
+          </a:fontRef>
+        </p:style>
+        <p:txBody>
+          <a:bodyPr rtlCol="1" anchor="ctr"/>
+          <a:lstStyle/>
+          <a:p>
+            <a:pPr algn="ctr"/>
+            <a:r>
+              <a:rPr lang="en-US" sz="1827" b="1" dirty="0">
+                <a:ln w="6600">
+                  <a:noFill/>
+                  <a:prstDash val="solid"/>
+                </a:ln>
+                <a:solidFill>
+                  <a:srgbClr val="FFFF00"/>
+                </a:solidFill>
+              </a:rPr>
+              <a:t>Other random half</a:t>
+            </a:r>
+            <a:endParaRPr lang="he-IL" sz="1827" b="1" dirty="0">
+              <a:ln w="6600">
+                <a:noFill/>
+                <a:prstDash val="solid"/>
+              </a:ln>
+              <a:solidFill>
+                <a:srgbClr val="FFFF00"/>
+              </a:solidFill>
+            </a:endParaRPr>
+          </a:p>
+        </p:txBody>
+      </p:sp>
+      <p:sp>
+        <p:nvSpPr>
+          <p:cNvPr id="3" name="משושה 2">
+            <a:extLst>
+              <a:ext uri="{FF2B5EF4-FFF2-40B4-BE49-F238E27FC236}">
+                <a16:creationId xmlns:a16="http://schemas.microsoft.com/office/drawing/2014/main" id="{899B1454-7B02-423A-8575-79FED9A011D6}"/>
+              </a:ext>
+            </a:extLst>
+          </p:cNvPr>
+          <p:cNvSpPr/>
+          <p:nvPr/>
+        </p:nvSpPr>
+        <p:spPr>
+          <a:xfrm>
+            <a:off x="105938" y="4127886"/>
+            <a:ext cx="1864837" cy="1477522"/>
+          </a:xfrm>
+          <a:prstGeom prst="hexagon">
+            <a:avLst/>
+          </a:prstGeom>
+          <a:solidFill>
+            <a:schemeClr val="accent1">
+              <a:lumMod val="50000"/>
+            </a:schemeClr>
+          </a:solidFill>
+        </p:spPr>
+        <p:style>
+          <a:lnRef idx="2">
+            <a:schemeClr val="accent1">
+              <a:shade val="50000"/>
+            </a:schemeClr>
+          </a:lnRef>
+          <a:fillRef idx="1">
+            <a:schemeClr val="accent1"/>
+          </a:fillRef>
+          <a:effectRef idx="0">
+            <a:schemeClr val="accent1"/>
+          </a:effectRef>
+          <a:fontRef idx="minor">
+            <a:schemeClr val="lt1"/>
+          </a:fontRef>
+        </p:style>
+        <p:txBody>
+          <a:bodyPr rtlCol="1" anchor="ctr"/>
+          <a:lstStyle/>
+          <a:p>
+            <a:pPr algn="ctr"/>
+            <a:r>
+              <a:rPr lang="en-US" sz="1827" b="1">
+                <a:ln w="6600">
+                  <a:noFill/>
+                  <a:prstDash val="solid"/>
+                </a:ln>
+                <a:solidFill>
+                  <a:srgbClr val="FFFF00"/>
+                </a:solidFill>
+              </a:rPr>
+              <a:t>Random (per subject) half of stp stimuli</a:t>
+            </a:r>
+            <a:endParaRPr lang="he-IL" sz="1827" b="1" dirty="0">
+              <a:ln w="6600">
+                <a:noFill/>
+                <a:prstDash val="solid"/>
+              </a:ln>
+              <a:solidFill>
+                <a:srgbClr val="FFFF00"/>
+              </a:solidFill>
+            </a:endParaRPr>
+          </a:p>
+        </p:txBody>
+      </p:sp>
+    </p:spTree>
+    <p:extLst>
+      <p:ext uri="{BB962C8B-B14F-4D97-AF65-F5344CB8AC3E}">
+        <p14:creationId xmlns:p14="http://schemas.microsoft.com/office/powerpoint/2010/main" val="2339379790"/>
+      </p:ext>
+    </p:extLst>
+  </p:cSld>
+  <p:clrMapOvr>
+    <a:masterClrMapping/>
+  </p:clrMapOvr>
+</p:sld>
+</file>
+
 <file path=ppt/theme/theme1.xml><?xml version="1.0" encoding="utf-8"?>
 <a:theme xmlns:a="http://schemas.openxmlformats.org/drawingml/2006/main" name="ערכת נושא Office">
   <a:themeElements>

--- a/task scheme.pptx
+++ b/task scheme.pptx
@@ -261,7 +261,7 @@
           <a:p>
             <a:fld id="{CCA6670F-A8A0-407C-A687-5548B9A6F5D7}" type="datetimeFigureOut">
               <a:rPr lang="he-IL" smtClean="0"/>
-              <a:t>י"ב/אלול/תשע"ט</a:t>
+              <a:t>א'/טבת/תש"פ</a:t>
             </a:fld>
             <a:endParaRPr lang="he-IL"/>
           </a:p>
@@ -459,7 +459,7 @@
           <a:p>
             <a:fld id="{CCA6670F-A8A0-407C-A687-5548B9A6F5D7}" type="datetimeFigureOut">
               <a:rPr lang="he-IL" smtClean="0"/>
-              <a:t>י"ב/אלול/תשע"ט</a:t>
+              <a:t>א'/טבת/תש"פ</a:t>
             </a:fld>
             <a:endParaRPr lang="he-IL"/>
           </a:p>
@@ -667,7 +667,7 @@
           <a:p>
             <a:fld id="{CCA6670F-A8A0-407C-A687-5548B9A6F5D7}" type="datetimeFigureOut">
               <a:rPr lang="he-IL" smtClean="0"/>
-              <a:t>י"ב/אלול/תשע"ט</a:t>
+              <a:t>א'/טבת/תש"פ</a:t>
             </a:fld>
             <a:endParaRPr lang="he-IL"/>
           </a:p>
@@ -865,7 +865,7 @@
           <a:p>
             <a:fld id="{CCA6670F-A8A0-407C-A687-5548B9A6F5D7}" type="datetimeFigureOut">
               <a:rPr lang="he-IL" smtClean="0"/>
-              <a:t>י"ב/אלול/תשע"ט</a:t>
+              <a:t>א'/טבת/תש"פ</a:t>
             </a:fld>
             <a:endParaRPr lang="he-IL"/>
           </a:p>
@@ -1140,7 +1140,7 @@
           <a:p>
             <a:fld id="{CCA6670F-A8A0-407C-A687-5548B9A6F5D7}" type="datetimeFigureOut">
               <a:rPr lang="he-IL" smtClean="0"/>
-              <a:t>י"ב/אלול/תשע"ט</a:t>
+              <a:t>א'/טבת/תש"פ</a:t>
             </a:fld>
             <a:endParaRPr lang="he-IL"/>
           </a:p>
@@ -1405,7 +1405,7 @@
           <a:p>
             <a:fld id="{CCA6670F-A8A0-407C-A687-5548B9A6F5D7}" type="datetimeFigureOut">
               <a:rPr lang="he-IL" smtClean="0"/>
-              <a:t>י"ב/אלול/תשע"ט</a:t>
+              <a:t>א'/טבת/תש"פ</a:t>
             </a:fld>
             <a:endParaRPr lang="he-IL"/>
           </a:p>
@@ -1817,7 +1817,7 @@
           <a:p>
             <a:fld id="{CCA6670F-A8A0-407C-A687-5548B9A6F5D7}" type="datetimeFigureOut">
               <a:rPr lang="he-IL" smtClean="0"/>
-              <a:t>י"ב/אלול/תשע"ט</a:t>
+              <a:t>א'/טבת/תש"פ</a:t>
             </a:fld>
             <a:endParaRPr lang="he-IL"/>
           </a:p>
@@ -1958,7 +1958,7 @@
           <a:p>
             <a:fld id="{CCA6670F-A8A0-407C-A687-5548B9A6F5D7}" type="datetimeFigureOut">
               <a:rPr lang="he-IL" smtClean="0"/>
-              <a:t>י"ב/אלול/תשע"ט</a:t>
+              <a:t>א'/טבת/תש"פ</a:t>
             </a:fld>
             <a:endParaRPr lang="he-IL"/>
           </a:p>
@@ -2071,7 +2071,7 @@
           <a:p>
             <a:fld id="{CCA6670F-A8A0-407C-A687-5548B9A6F5D7}" type="datetimeFigureOut">
               <a:rPr lang="he-IL" smtClean="0"/>
-              <a:t>י"ב/אלול/תשע"ט</a:t>
+              <a:t>א'/טבת/תש"פ</a:t>
             </a:fld>
             <a:endParaRPr lang="he-IL"/>
           </a:p>
@@ -2382,7 +2382,7 @@
           <a:p>
             <a:fld id="{CCA6670F-A8A0-407C-A687-5548B9A6F5D7}" type="datetimeFigureOut">
               <a:rPr lang="he-IL" smtClean="0"/>
-              <a:t>י"ב/אלול/תשע"ט</a:t>
+              <a:t>א'/טבת/תש"פ</a:t>
             </a:fld>
             <a:endParaRPr lang="he-IL"/>
           </a:p>
@@ -2670,7 +2670,7 @@
           <a:p>
             <a:fld id="{CCA6670F-A8A0-407C-A687-5548B9A6F5D7}" type="datetimeFigureOut">
               <a:rPr lang="he-IL" smtClean="0"/>
-              <a:t>י"ב/אלול/תשע"ט</a:t>
+              <a:t>א'/טבת/תש"פ</a:t>
             </a:fld>
             <a:endParaRPr lang="he-IL"/>
           </a:p>
@@ -2911,7 +2911,7 @@
           <a:p>
             <a:fld id="{CCA6670F-A8A0-407C-A687-5548B9A6F5D7}" type="datetimeFigureOut">
               <a:rPr lang="he-IL" smtClean="0"/>
-              <a:t>י"ב/אלול/תשע"ט</a:t>
+              <a:t>א'/טבת/תש"פ</a:t>
             </a:fld>
             <a:endParaRPr lang="he-IL"/>
           </a:p>
@@ -4911,8 +4911,12 @@
           <a:p>
             <a:pPr algn="ctr"/>
             <a:r>
+              <a:rPr lang="en-US" b="1" dirty="0" err="1"/>
+              <a:t>Heared</a:t>
+            </a:r>
+            <a:r>
               <a:rPr lang="en-US" b="1" dirty="0"/>
-              <a:t>Heard sentence = 7</a:t>
+              <a:t> sentence = 7</a:t>
             </a:r>
             <a:endParaRPr lang="he-IL" b="1" dirty="0"/>
           </a:p>

--- a/task scheme.pptx
+++ b/task scheme.pptx
@@ -261,7 +261,7 @@
           <a:p>
             <a:fld id="{CCA6670F-A8A0-407C-A687-5548B9A6F5D7}" type="datetimeFigureOut">
               <a:rPr lang="he-IL" smtClean="0"/>
-              <a:t>א'/טבת/תש"פ</a:t>
+              <a:t>ו'/טבת/תש"פ</a:t>
             </a:fld>
             <a:endParaRPr lang="he-IL"/>
           </a:p>
@@ -459,7 +459,7 @@
           <a:p>
             <a:fld id="{CCA6670F-A8A0-407C-A687-5548B9A6F5D7}" type="datetimeFigureOut">
               <a:rPr lang="he-IL" smtClean="0"/>
-              <a:t>א'/טבת/תש"פ</a:t>
+              <a:t>ו'/טבת/תש"פ</a:t>
             </a:fld>
             <a:endParaRPr lang="he-IL"/>
           </a:p>
@@ -667,7 +667,7 @@
           <a:p>
             <a:fld id="{CCA6670F-A8A0-407C-A687-5548B9A6F5D7}" type="datetimeFigureOut">
               <a:rPr lang="he-IL" smtClean="0"/>
-              <a:t>א'/טבת/תש"פ</a:t>
+              <a:t>ו'/טבת/תש"פ</a:t>
             </a:fld>
             <a:endParaRPr lang="he-IL"/>
           </a:p>
@@ -865,7 +865,7 @@
           <a:p>
             <a:fld id="{CCA6670F-A8A0-407C-A687-5548B9A6F5D7}" type="datetimeFigureOut">
               <a:rPr lang="he-IL" smtClean="0"/>
-              <a:t>א'/טבת/תש"פ</a:t>
+              <a:t>ו'/טבת/תש"פ</a:t>
             </a:fld>
             <a:endParaRPr lang="he-IL"/>
           </a:p>
@@ -1140,7 +1140,7 @@
           <a:p>
             <a:fld id="{CCA6670F-A8A0-407C-A687-5548B9A6F5D7}" type="datetimeFigureOut">
               <a:rPr lang="he-IL" smtClean="0"/>
-              <a:t>א'/טבת/תש"פ</a:t>
+              <a:t>ו'/טבת/תש"פ</a:t>
             </a:fld>
             <a:endParaRPr lang="he-IL"/>
           </a:p>
@@ -1405,7 +1405,7 @@
           <a:p>
             <a:fld id="{CCA6670F-A8A0-407C-A687-5548B9A6F5D7}" type="datetimeFigureOut">
               <a:rPr lang="he-IL" smtClean="0"/>
-              <a:t>א'/טבת/תש"פ</a:t>
+              <a:t>ו'/טבת/תש"פ</a:t>
             </a:fld>
             <a:endParaRPr lang="he-IL"/>
           </a:p>
@@ -1817,7 +1817,7 @@
           <a:p>
             <a:fld id="{CCA6670F-A8A0-407C-A687-5548B9A6F5D7}" type="datetimeFigureOut">
               <a:rPr lang="he-IL" smtClean="0"/>
-              <a:t>א'/טבת/תש"פ</a:t>
+              <a:t>ו'/טבת/תש"פ</a:t>
             </a:fld>
             <a:endParaRPr lang="he-IL"/>
           </a:p>
@@ -1958,7 +1958,7 @@
           <a:p>
             <a:fld id="{CCA6670F-A8A0-407C-A687-5548B9A6F5D7}" type="datetimeFigureOut">
               <a:rPr lang="he-IL" smtClean="0"/>
-              <a:t>א'/טבת/תש"פ</a:t>
+              <a:t>ו'/טבת/תש"פ</a:t>
             </a:fld>
             <a:endParaRPr lang="he-IL"/>
           </a:p>
@@ -2071,7 +2071,7 @@
           <a:p>
             <a:fld id="{CCA6670F-A8A0-407C-A687-5548B9A6F5D7}" type="datetimeFigureOut">
               <a:rPr lang="he-IL" smtClean="0"/>
-              <a:t>א'/טבת/תש"פ</a:t>
+              <a:t>ו'/טבת/תש"פ</a:t>
             </a:fld>
             <a:endParaRPr lang="he-IL"/>
           </a:p>
@@ -2382,7 +2382,7 @@
           <a:p>
             <a:fld id="{CCA6670F-A8A0-407C-A687-5548B9A6F5D7}" type="datetimeFigureOut">
               <a:rPr lang="he-IL" smtClean="0"/>
-              <a:t>א'/טבת/תש"פ</a:t>
+              <a:t>ו'/טבת/תש"פ</a:t>
             </a:fld>
             <a:endParaRPr lang="he-IL"/>
           </a:p>
@@ -2670,7 +2670,7 @@
           <a:p>
             <a:fld id="{CCA6670F-A8A0-407C-A687-5548B9A6F5D7}" type="datetimeFigureOut">
               <a:rPr lang="he-IL" smtClean="0"/>
-              <a:t>א'/טבת/תש"פ</a:t>
+              <a:t>ו'/טבת/תש"פ</a:t>
             </a:fld>
             <a:endParaRPr lang="he-IL"/>
           </a:p>
@@ -2911,7 +2911,7 @@
           <a:p>
             <a:fld id="{CCA6670F-A8A0-407C-A687-5548B9A6F5D7}" type="datetimeFigureOut">
               <a:rPr lang="he-IL" smtClean="0"/>
-              <a:t>א'/טבת/תש"פ</a:t>
+              <a:t>ו'/טבת/תש"פ</a:t>
             </a:fld>
             <a:endParaRPr lang="he-IL"/>
           </a:p>
